--- a/IPEII/Presentacion Lunes 13 Diciembre/Presentacion.pptx
+++ b/IPEII/Presentacion Lunes 13 Diciembre/Presentacion.pptx
@@ -5,7 +5,7 @@
     <p:sldMasterId id="2147483648" r:id="rId1"/>
   </p:sldMasterIdLst>
   <p:notesMasterIdLst>
-    <p:notesMasterId r:id="rId8"/>
+    <p:notesMasterId r:id="rId12"/>
   </p:notesMasterIdLst>
   <p:sldIdLst>
     <p:sldId id="256" r:id="rId2"/>
@@ -14,6 +14,10 @@
     <p:sldId id="260" r:id="rId5"/>
     <p:sldId id="261" r:id="rId6"/>
     <p:sldId id="262" r:id="rId7"/>
+    <p:sldId id="263" r:id="rId8"/>
+    <p:sldId id="264" r:id="rId9"/>
+    <p:sldId id="265" r:id="rId10"/>
+    <p:sldId id="266" r:id="rId11"/>
   </p:sldIdLst>
   <p:sldSz cx="12192000" cy="6858000"/>
   <p:notesSz cx="6858000" cy="9144000"/>
@@ -112,6 +116,11 @@
       </a:defRPr>
     </a:lvl9pPr>
   </p:defaultTextStyle>
+  <p:extLst>
+    <p:ext uri="{EFAFB233-063F-42B5-8137-9DF3F51BA10A}">
+      <p15:sldGuideLst xmlns:p15="http://schemas.microsoft.com/office/powerpoint/2012/main"/>
+    </p:ext>
+  </p:extLst>
 </p:presentation>
 </file>
 
@@ -197,7 +206,7 @@
           <a:p>
             <a:fld id="{D79D91E7-D14C-444B-881D-633580AF1E84}" type="datetimeFigureOut">
               <a:rPr lang="en-US" smtClean="0"/>
-              <a:t>12/14/2025</a:t>
+              <a:t>12/15/2025</a:t>
             </a:fld>
             <a:endParaRPr lang="en-US"/>
           </a:p>
@@ -698,7 +707,7 @@
           <a:p>
             <a:fld id="{3FBF89FF-1C37-4EDB-A77E-EBFC89B86AD7}" type="datetimeFigureOut">
               <a:rPr lang="en-US" smtClean="0"/>
-              <a:t>12/14/2025</a:t>
+              <a:t>12/15/2025</a:t>
             </a:fld>
             <a:endParaRPr lang="en-US"/>
           </a:p>
@@ -898,7 +907,7 @@
           <a:p>
             <a:fld id="{3FBF89FF-1C37-4EDB-A77E-EBFC89B86AD7}" type="datetimeFigureOut">
               <a:rPr lang="en-US" smtClean="0"/>
-              <a:t>12/14/2025</a:t>
+              <a:t>12/15/2025</a:t>
             </a:fld>
             <a:endParaRPr lang="en-US"/>
           </a:p>
@@ -1108,7 +1117,7 @@
           <a:p>
             <a:fld id="{3FBF89FF-1C37-4EDB-A77E-EBFC89B86AD7}" type="datetimeFigureOut">
               <a:rPr lang="en-US" smtClean="0"/>
-              <a:t>12/14/2025</a:t>
+              <a:t>12/15/2025</a:t>
             </a:fld>
             <a:endParaRPr lang="en-US"/>
           </a:p>
@@ -1308,7 +1317,7 @@
           <a:p>
             <a:fld id="{3FBF89FF-1C37-4EDB-A77E-EBFC89B86AD7}" type="datetimeFigureOut">
               <a:rPr lang="en-US" smtClean="0"/>
-              <a:t>12/14/2025</a:t>
+              <a:t>12/15/2025</a:t>
             </a:fld>
             <a:endParaRPr lang="en-US"/>
           </a:p>
@@ -1584,7 +1593,7 @@
           <a:p>
             <a:fld id="{3FBF89FF-1C37-4EDB-A77E-EBFC89B86AD7}" type="datetimeFigureOut">
               <a:rPr lang="en-US" smtClean="0"/>
-              <a:t>12/14/2025</a:t>
+              <a:t>12/15/2025</a:t>
             </a:fld>
             <a:endParaRPr lang="en-US"/>
           </a:p>
@@ -1852,7 +1861,7 @@
           <a:p>
             <a:fld id="{3FBF89FF-1C37-4EDB-A77E-EBFC89B86AD7}" type="datetimeFigureOut">
               <a:rPr lang="en-US" smtClean="0"/>
-              <a:t>12/14/2025</a:t>
+              <a:t>12/15/2025</a:t>
             </a:fld>
             <a:endParaRPr lang="en-US"/>
           </a:p>
@@ -2267,7 +2276,7 @@
           <a:p>
             <a:fld id="{3FBF89FF-1C37-4EDB-A77E-EBFC89B86AD7}" type="datetimeFigureOut">
               <a:rPr lang="en-US" smtClean="0"/>
-              <a:t>12/14/2025</a:t>
+              <a:t>12/15/2025</a:t>
             </a:fld>
             <a:endParaRPr lang="en-US"/>
           </a:p>
@@ -2409,7 +2418,7 @@
           <a:p>
             <a:fld id="{3FBF89FF-1C37-4EDB-A77E-EBFC89B86AD7}" type="datetimeFigureOut">
               <a:rPr lang="en-US" smtClean="0"/>
-              <a:t>12/14/2025</a:t>
+              <a:t>12/15/2025</a:t>
             </a:fld>
             <a:endParaRPr lang="en-US"/>
           </a:p>
@@ -2522,7 +2531,7 @@
           <a:p>
             <a:fld id="{3FBF89FF-1C37-4EDB-A77E-EBFC89B86AD7}" type="datetimeFigureOut">
               <a:rPr lang="en-US" smtClean="0"/>
-              <a:t>12/14/2025</a:t>
+              <a:t>12/15/2025</a:t>
             </a:fld>
             <a:endParaRPr lang="en-US"/>
           </a:p>
@@ -2835,7 +2844,7 @@
           <a:p>
             <a:fld id="{3FBF89FF-1C37-4EDB-A77E-EBFC89B86AD7}" type="datetimeFigureOut">
               <a:rPr lang="en-US" smtClean="0"/>
-              <a:t>12/14/2025</a:t>
+              <a:t>12/15/2025</a:t>
             </a:fld>
             <a:endParaRPr lang="en-US"/>
           </a:p>
@@ -3124,7 +3133,7 @@
           <a:p>
             <a:fld id="{3FBF89FF-1C37-4EDB-A77E-EBFC89B86AD7}" type="datetimeFigureOut">
               <a:rPr lang="en-US" smtClean="0"/>
-              <a:t>12/14/2025</a:t>
+              <a:t>12/15/2025</a:t>
             </a:fld>
             <a:endParaRPr lang="en-US"/>
           </a:p>
@@ -3367,7 +3376,7 @@
           <a:p>
             <a:fld id="{3FBF89FF-1C37-4EDB-A77E-EBFC89B86AD7}" type="datetimeFigureOut">
               <a:rPr lang="en-US" smtClean="0"/>
-              <a:t>12/14/2025</a:t>
+              <a:t>12/15/2025</a:t>
             </a:fld>
             <a:endParaRPr lang="en-US"/>
           </a:p>
@@ -3834,7 +3843,7 @@
 </p:sld>
 </file>
 
-<file path=ppt/slides/slide2.xml><?xml version="1.0" encoding="utf-8"?>
+<file path=ppt/slides/slide10.xml><?xml version="1.0" encoding="utf-8"?>
 <p:sld xmlns:a="http://schemas.openxmlformats.org/drawingml/2006/main" xmlns:r="http://schemas.openxmlformats.org/officeDocument/2006/relationships" xmlns:p="http://schemas.openxmlformats.org/presentationml/2006/main">
   <p:cSld>
     <p:bg>
@@ -3847,7 +3856,13 @@
     </p:bg>
     <p:spTree>
       <p:nvGrpSpPr>
-        <p:cNvPr id="1" name=""/>
+        <p:cNvPr id="1" name="">
+          <a:extLst>
+            <a:ext uri="{FF2B5EF4-FFF2-40B4-BE49-F238E27FC236}">
+              <a16:creationId xmlns:a16="http://schemas.microsoft.com/office/drawing/2014/main" id="{6A4ED3F4-8273-AB1D-743D-B4C06294C600}"/>
+            </a:ext>
+          </a:extLst>
+        </p:cNvPr>
         <p:cNvGrpSpPr/>
         <p:nvPr/>
       </p:nvGrpSpPr>
@@ -3864,7 +3879,7 @@
           <p:cNvPr id="8" name="Rectangle 7">
             <a:extLst>
               <a:ext uri="{FF2B5EF4-FFF2-40B4-BE49-F238E27FC236}">
-                <a16:creationId xmlns:a16="http://schemas.microsoft.com/office/drawing/2014/main" id="{081EA652-8C6A-4E69-BEB9-170809474553}"/>
+                <a16:creationId xmlns:a16="http://schemas.microsoft.com/office/drawing/2014/main" id="{D980FDB0-FB2A-8D4E-F8E9-FF456D7F7029}"/>
               </a:ext>
               <a:ext uri="{C183D7F6-B498-43B3-948B-1728B52AA6E4}">
                 <adec:decorative xmlns:adec="http://schemas.microsoft.com/office/drawing/2017/decorative" val="1"/>
@@ -3924,7 +3939,7 @@
           <p:cNvPr id="10" name="Right Triangle 9">
             <a:extLst>
               <a:ext uri="{FF2B5EF4-FFF2-40B4-BE49-F238E27FC236}">
-                <a16:creationId xmlns:a16="http://schemas.microsoft.com/office/drawing/2014/main" id="{5298780A-33B9-4EA2-8F67-DE68AD62841B}"/>
+                <a16:creationId xmlns:a16="http://schemas.microsoft.com/office/drawing/2014/main" id="{6D136FA7-9DB8-5C2A-7CB1-AC2BAF41DB3B}"/>
               </a:ext>
               <a:ext uri="{C183D7F6-B498-43B3-948B-1728B52AA6E4}">
                 <adec:decorative xmlns:adec="http://schemas.microsoft.com/office/drawing/2017/decorative" val="1"/>
@@ -3987,7 +4002,7 @@
           <p:cNvPr id="12" name="Rectangle 11">
             <a:extLst>
               <a:ext uri="{FF2B5EF4-FFF2-40B4-BE49-F238E27FC236}">
-                <a16:creationId xmlns:a16="http://schemas.microsoft.com/office/drawing/2014/main" id="{7F488E8B-4E1E-4402-8935-D4E6C02615C7}"/>
+                <a16:creationId xmlns:a16="http://schemas.microsoft.com/office/drawing/2014/main" id="{264ABD72-D828-48E4-708A-D110688FA9B5}"/>
               </a:ext>
               <a:ext uri="{C183D7F6-B498-43B3-948B-1728B52AA6E4}">
                 <adec:decorative xmlns:adec="http://schemas.microsoft.com/office/drawing/2017/decorative" val="1"/>
@@ -4050,6 +4065,604 @@
       </p:sp>
       <p:sp>
         <p:nvSpPr>
+          <p:cNvPr id="4" name="Marcador de contenido 3">
+            <a:extLst>
+              <a:ext uri="{FF2B5EF4-FFF2-40B4-BE49-F238E27FC236}">
+                <a16:creationId xmlns:a16="http://schemas.microsoft.com/office/drawing/2014/main" id="{CE36ED80-7BC5-DD38-C3BC-E4B67C5FA501}"/>
+              </a:ext>
+            </a:extLst>
+          </p:cNvPr>
+          <p:cNvSpPr>
+            <a:spLocks noGrp="1"/>
+          </p:cNvSpPr>
+          <p:nvPr>
+            <p:ph idx="1"/>
+          </p:nvPr>
+        </p:nvSpPr>
+        <p:spPr>
+          <a:xfrm>
+            <a:off x="836500" y="838466"/>
+            <a:ext cx="10515600" cy="2335040"/>
+          </a:xfrm>
+        </p:spPr>
+        <p:txBody>
+          <a:bodyPr>
+            <a:normAutofit fontScale="92500"/>
+          </a:bodyPr>
+          <a:lstStyle/>
+          <a:p>
+            <a:r>
+              <a:rPr lang="es-ES" b="1" dirty="0"/>
+              <a:t>Promoción:</a:t>
+            </a:r>
+          </a:p>
+          <a:p>
+            <a:pPr lvl="1"/>
+            <a:r>
+              <a:rPr lang="es-ES" b="1" dirty="0"/>
+              <a:t>“SEO” (</a:t>
+            </a:r>
+            <a:r>
+              <a:rPr lang="es-ES" b="1" dirty="0" err="1"/>
+              <a:t>Search</a:t>
+            </a:r>
+            <a:r>
+              <a:rPr lang="es-ES" b="1" dirty="0"/>
+              <a:t> </a:t>
+            </a:r>
+            <a:r>
+              <a:rPr lang="es-ES" b="1" dirty="0" err="1"/>
+              <a:t>engine</a:t>
+            </a:r>
+            <a:r>
+              <a:rPr lang="es-ES" b="1" dirty="0"/>
+              <a:t> </a:t>
+            </a:r>
+            <a:r>
+              <a:rPr lang="es-ES" b="1" dirty="0" err="1"/>
+              <a:t>optimization</a:t>
+            </a:r>
+            <a:r>
+              <a:rPr lang="es-ES" b="1" dirty="0"/>
+              <a:t>)</a:t>
+            </a:r>
+          </a:p>
+          <a:p>
+            <a:pPr lvl="1"/>
+            <a:r>
+              <a:rPr lang="es-ES" b="1" dirty="0"/>
+              <a:t>Publirreportajes.</a:t>
+            </a:r>
+          </a:p>
+          <a:p>
+            <a:pPr lvl="1"/>
+            <a:r>
+              <a:rPr lang="es-ES" b="1" dirty="0"/>
+              <a:t>Evitar </a:t>
+            </a:r>
+            <a:r>
+              <a:rPr lang="es-ES" b="1" dirty="0" err="1"/>
+              <a:t>Mailing</a:t>
+            </a:r>
+            <a:r>
+              <a:rPr lang="es-ES" b="1" dirty="0"/>
+              <a:t> =&gt; </a:t>
+            </a:r>
+            <a:r>
+              <a:rPr lang="es-ES" dirty="0"/>
+              <a:t>Se percibe como SPAM.</a:t>
+            </a:r>
+          </a:p>
+          <a:p>
+            <a:pPr lvl="1"/>
+            <a:r>
+              <a:rPr lang="es-ES" b="1" dirty="0"/>
+              <a:t>Bonificaciones: </a:t>
+            </a:r>
+            <a:r>
+              <a:rPr lang="es-ES" dirty="0"/>
+              <a:t>Premiar fidelidad de los clientes.</a:t>
+            </a:r>
+          </a:p>
+          <a:p>
+            <a:pPr lvl="1"/>
+            <a:r>
+              <a:rPr lang="es-ES" b="1" dirty="0"/>
+              <a:t>Relaciones públicas: </a:t>
+            </a:r>
+            <a:r>
+              <a:rPr lang="es-ES" dirty="0"/>
+              <a:t>Talleres formación y equipamiento centros educativos.</a:t>
+            </a:r>
+          </a:p>
+          <a:p>
+            <a:pPr lvl="1"/>
+            <a:endParaRPr lang="es-ES" b="1" dirty="0"/>
+          </a:p>
+          <a:p>
+            <a:pPr lvl="1"/>
+            <a:endParaRPr lang="es-ES" dirty="0"/>
+          </a:p>
+        </p:txBody>
+      </p:sp>
+      <p:sp>
+        <p:nvSpPr>
+          <p:cNvPr id="3" name="Marcador de contenido 3">
+            <a:extLst>
+              <a:ext uri="{FF2B5EF4-FFF2-40B4-BE49-F238E27FC236}">
+                <a16:creationId xmlns:a16="http://schemas.microsoft.com/office/drawing/2014/main" id="{A50167C5-D9E4-CBFF-EECC-19F5475BEA47}"/>
+              </a:ext>
+            </a:extLst>
+          </p:cNvPr>
+          <p:cNvSpPr txBox="1">
+            <a:spLocks/>
+          </p:cNvSpPr>
+          <p:nvPr/>
+        </p:nvSpPr>
+        <p:spPr>
+          <a:xfrm>
+            <a:off x="836500" y="3173506"/>
+            <a:ext cx="9338441" cy="2335040"/>
+          </a:xfrm>
+          <a:prstGeom prst="rect">
+            <a:avLst/>
+          </a:prstGeom>
+        </p:spPr>
+        <p:txBody>
+          <a:bodyPr vert="horz" lIns="91440" tIns="45720" rIns="91440" bIns="45720" rtlCol="0">
+            <a:normAutofit fontScale="92500" lnSpcReduction="20000"/>
+          </a:bodyPr>
+          <a:lstStyle>
+            <a:lvl1pPr marL="228600" indent="-228600" algn="l" defTabSz="914400" rtl="0" eaLnBrk="1" latinLnBrk="0" hangingPunct="1">
+              <a:lnSpc>
+                <a:spcPct val="90000"/>
+              </a:lnSpc>
+              <a:spcBef>
+                <a:spcPts val="1000"/>
+              </a:spcBef>
+              <a:buFont typeface="Arial" panose="020B0604020202020204" pitchFamily="34" charset="0"/>
+              <a:buChar char="•"/>
+              <a:defRPr sz="2800" kern="1200">
+                <a:solidFill>
+                  <a:schemeClr val="tx1"/>
+                </a:solidFill>
+                <a:latin typeface="+mn-lt"/>
+                <a:ea typeface="+mn-ea"/>
+                <a:cs typeface="+mn-cs"/>
+              </a:defRPr>
+            </a:lvl1pPr>
+            <a:lvl2pPr marL="685800" indent="-228600" algn="l" defTabSz="914400" rtl="0" eaLnBrk="1" latinLnBrk="0" hangingPunct="1">
+              <a:lnSpc>
+                <a:spcPct val="90000"/>
+              </a:lnSpc>
+              <a:spcBef>
+                <a:spcPts val="500"/>
+              </a:spcBef>
+              <a:buFont typeface="Arial" panose="020B0604020202020204" pitchFamily="34" charset="0"/>
+              <a:buChar char="•"/>
+              <a:defRPr sz="2400" kern="1200">
+                <a:solidFill>
+                  <a:schemeClr val="tx1"/>
+                </a:solidFill>
+                <a:latin typeface="+mn-lt"/>
+                <a:ea typeface="+mn-ea"/>
+                <a:cs typeface="+mn-cs"/>
+              </a:defRPr>
+            </a:lvl2pPr>
+            <a:lvl3pPr marL="1143000" indent="-228600" algn="l" defTabSz="914400" rtl="0" eaLnBrk="1" latinLnBrk="0" hangingPunct="1">
+              <a:lnSpc>
+                <a:spcPct val="90000"/>
+              </a:lnSpc>
+              <a:spcBef>
+                <a:spcPts val="500"/>
+              </a:spcBef>
+              <a:buFont typeface="Arial" panose="020B0604020202020204" pitchFamily="34" charset="0"/>
+              <a:buChar char="•"/>
+              <a:defRPr sz="2000" kern="1200">
+                <a:solidFill>
+                  <a:schemeClr val="tx1"/>
+                </a:solidFill>
+                <a:latin typeface="+mn-lt"/>
+                <a:ea typeface="+mn-ea"/>
+                <a:cs typeface="+mn-cs"/>
+              </a:defRPr>
+            </a:lvl3pPr>
+            <a:lvl4pPr marL="1600200" indent="-228600" algn="l" defTabSz="914400" rtl="0" eaLnBrk="1" latinLnBrk="0" hangingPunct="1">
+              <a:lnSpc>
+                <a:spcPct val="90000"/>
+              </a:lnSpc>
+              <a:spcBef>
+                <a:spcPts val="500"/>
+              </a:spcBef>
+              <a:buFont typeface="Arial" panose="020B0604020202020204" pitchFamily="34" charset="0"/>
+              <a:buChar char="•"/>
+              <a:defRPr sz="1800" kern="1200">
+                <a:solidFill>
+                  <a:schemeClr val="tx1"/>
+                </a:solidFill>
+                <a:latin typeface="+mn-lt"/>
+                <a:ea typeface="+mn-ea"/>
+                <a:cs typeface="+mn-cs"/>
+              </a:defRPr>
+            </a:lvl4pPr>
+            <a:lvl5pPr marL="2057400" indent="-228600" algn="l" defTabSz="914400" rtl="0" eaLnBrk="1" latinLnBrk="0" hangingPunct="1">
+              <a:lnSpc>
+                <a:spcPct val="90000"/>
+              </a:lnSpc>
+              <a:spcBef>
+                <a:spcPts val="500"/>
+              </a:spcBef>
+              <a:buFont typeface="Arial" panose="020B0604020202020204" pitchFamily="34" charset="0"/>
+              <a:buChar char="•"/>
+              <a:defRPr sz="1800" kern="1200">
+                <a:solidFill>
+                  <a:schemeClr val="tx1"/>
+                </a:solidFill>
+                <a:latin typeface="+mn-lt"/>
+                <a:ea typeface="+mn-ea"/>
+                <a:cs typeface="+mn-cs"/>
+              </a:defRPr>
+            </a:lvl5pPr>
+            <a:lvl6pPr marL="2514600" indent="-228600" algn="l" defTabSz="914400" rtl="0" eaLnBrk="1" latinLnBrk="0" hangingPunct="1">
+              <a:lnSpc>
+                <a:spcPct val="90000"/>
+              </a:lnSpc>
+              <a:spcBef>
+                <a:spcPts val="500"/>
+              </a:spcBef>
+              <a:buFont typeface="Arial" panose="020B0604020202020204" pitchFamily="34" charset="0"/>
+              <a:buChar char="•"/>
+              <a:defRPr sz="1800" kern="1200">
+                <a:solidFill>
+                  <a:schemeClr val="tx1"/>
+                </a:solidFill>
+                <a:latin typeface="+mn-lt"/>
+                <a:ea typeface="+mn-ea"/>
+                <a:cs typeface="+mn-cs"/>
+              </a:defRPr>
+            </a:lvl6pPr>
+            <a:lvl7pPr marL="2971800" indent="-228600" algn="l" defTabSz="914400" rtl="0" eaLnBrk="1" latinLnBrk="0" hangingPunct="1">
+              <a:lnSpc>
+                <a:spcPct val="90000"/>
+              </a:lnSpc>
+              <a:spcBef>
+                <a:spcPts val="500"/>
+              </a:spcBef>
+              <a:buFont typeface="Arial" panose="020B0604020202020204" pitchFamily="34" charset="0"/>
+              <a:buChar char="•"/>
+              <a:defRPr sz="1800" kern="1200">
+                <a:solidFill>
+                  <a:schemeClr val="tx1"/>
+                </a:solidFill>
+                <a:latin typeface="+mn-lt"/>
+                <a:ea typeface="+mn-ea"/>
+                <a:cs typeface="+mn-cs"/>
+              </a:defRPr>
+            </a:lvl7pPr>
+            <a:lvl8pPr marL="3429000" indent="-228600" algn="l" defTabSz="914400" rtl="0" eaLnBrk="1" latinLnBrk="0" hangingPunct="1">
+              <a:lnSpc>
+                <a:spcPct val="90000"/>
+              </a:lnSpc>
+              <a:spcBef>
+                <a:spcPts val="500"/>
+              </a:spcBef>
+              <a:buFont typeface="Arial" panose="020B0604020202020204" pitchFamily="34" charset="0"/>
+              <a:buChar char="•"/>
+              <a:defRPr sz="1800" kern="1200">
+                <a:solidFill>
+                  <a:schemeClr val="tx1"/>
+                </a:solidFill>
+                <a:latin typeface="+mn-lt"/>
+                <a:ea typeface="+mn-ea"/>
+                <a:cs typeface="+mn-cs"/>
+              </a:defRPr>
+            </a:lvl8pPr>
+            <a:lvl9pPr marL="3886200" indent="-228600" algn="l" defTabSz="914400" rtl="0" eaLnBrk="1" latinLnBrk="0" hangingPunct="1">
+              <a:lnSpc>
+                <a:spcPct val="90000"/>
+              </a:lnSpc>
+              <a:spcBef>
+                <a:spcPts val="500"/>
+              </a:spcBef>
+              <a:buFont typeface="Arial" panose="020B0604020202020204" pitchFamily="34" charset="0"/>
+              <a:buChar char="•"/>
+              <a:defRPr sz="1800" kern="1200">
+                <a:solidFill>
+                  <a:schemeClr val="tx1"/>
+                </a:solidFill>
+                <a:latin typeface="+mn-lt"/>
+                <a:ea typeface="+mn-ea"/>
+                <a:cs typeface="+mn-cs"/>
+              </a:defRPr>
+            </a:lvl9pPr>
+          </a:lstStyle>
+          <a:p>
+            <a:r>
+              <a:rPr lang="es-ES" sz="2600" b="1" dirty="0"/>
+              <a:t>Atención al Cliente:</a:t>
+            </a:r>
+          </a:p>
+          <a:p>
+            <a:pPr lvl="1"/>
+            <a:r>
+              <a:rPr lang="es-ES" sz="2200" b="1" dirty="0"/>
+              <a:t>24 horas =&gt; En apoyo al servicio técnico 24 horas.</a:t>
+            </a:r>
+          </a:p>
+          <a:p>
+            <a:pPr lvl="1"/>
+            <a:r>
+              <a:rPr lang="es-ES" sz="2200" b="1" dirty="0"/>
+              <a:t>Servicio Postventa: </a:t>
+            </a:r>
+          </a:p>
+          <a:p>
+            <a:pPr lvl="2"/>
+            <a:r>
+              <a:rPr lang="es-ES" sz="1800" dirty="0"/>
+              <a:t>Soporte técnico.</a:t>
+            </a:r>
+          </a:p>
+          <a:p>
+            <a:pPr lvl="2"/>
+            <a:r>
+              <a:rPr lang="es-ES" sz="1800" dirty="0"/>
+              <a:t>Gestión de garantías.</a:t>
+            </a:r>
+          </a:p>
+          <a:p>
+            <a:pPr lvl="2"/>
+            <a:r>
+              <a:rPr lang="es-ES" sz="1800" dirty="0"/>
+              <a:t>Atención a reclamaciones.</a:t>
+            </a:r>
+          </a:p>
+          <a:p>
+            <a:pPr lvl="2"/>
+            <a:r>
+              <a:rPr lang="es-ES" sz="1800" dirty="0"/>
+              <a:t>Capacitación (cursos).</a:t>
+            </a:r>
+          </a:p>
+          <a:p>
+            <a:pPr lvl="2"/>
+            <a:r>
+              <a:rPr lang="es-ES" sz="1800" dirty="0"/>
+              <a:t>Seguimiento de la compra para resolver dudas, incidencias y mantener una relación activa.</a:t>
+            </a:r>
+            <a:endParaRPr lang="es-ES" dirty="0"/>
+          </a:p>
+        </p:txBody>
+      </p:sp>
+    </p:spTree>
+    <p:extLst>
+      <p:ext uri="{BB962C8B-B14F-4D97-AF65-F5344CB8AC3E}">
+        <p14:creationId xmlns:p14="http://schemas.microsoft.com/office/powerpoint/2010/main" val="331431454"/>
+      </p:ext>
+    </p:extLst>
+  </p:cSld>
+  <p:clrMapOvr>
+    <a:masterClrMapping/>
+  </p:clrMapOvr>
+</p:sld>
+</file>
+
+<file path=ppt/slides/slide2.xml><?xml version="1.0" encoding="utf-8"?>
+<p:sld xmlns:a="http://schemas.openxmlformats.org/drawingml/2006/main" xmlns:r="http://schemas.openxmlformats.org/officeDocument/2006/relationships" xmlns:p="http://schemas.openxmlformats.org/presentationml/2006/main">
+  <p:cSld>
+    <p:bg>
+      <p:bgPr>
+        <a:solidFill>
+          <a:schemeClr val="bg1"/>
+        </a:solidFill>
+        <a:effectLst/>
+      </p:bgPr>
+    </p:bg>
+    <p:spTree>
+      <p:nvGrpSpPr>
+        <p:cNvPr id="1" name=""/>
+        <p:cNvGrpSpPr/>
+        <p:nvPr/>
+      </p:nvGrpSpPr>
+      <p:grpSpPr>
+        <a:xfrm>
+          <a:off x="0" y="0"/>
+          <a:ext cx="0" cy="0"/>
+          <a:chOff x="0" y="0"/>
+          <a:chExt cx="0" cy="0"/>
+        </a:xfrm>
+      </p:grpSpPr>
+      <p:sp useBgFill="1">
+        <p:nvSpPr>
+          <p:cNvPr id="8" name="Rectangle 7">
+            <a:extLst>
+              <a:ext uri="{FF2B5EF4-FFF2-40B4-BE49-F238E27FC236}">
+                <a16:creationId xmlns:a16="http://schemas.microsoft.com/office/drawing/2014/main" id="{081EA652-8C6A-4E69-BEB9-170809474553}"/>
+              </a:ext>
+              <a:ext uri="{C183D7F6-B498-43B3-948B-1728B52AA6E4}">
+                <adec:decorative xmlns:adec="http://schemas.microsoft.com/office/drawing/2017/decorative" val="1"/>
+              </a:ext>
+            </a:extLst>
+          </p:cNvPr>
+          <p:cNvSpPr>
+            <a:spLocks noGrp="1" noRot="1" noChangeAspect="1" noMove="1" noResize="1" noEditPoints="1" noAdjustHandles="1" noChangeArrowheads="1" noChangeShapeType="1" noTextEdit="1"/>
+          </p:cNvSpPr>
+          <p:nvPr>
+            <p:extLst>
+              <p:ext uri="{386F3935-93C4-4BCD-93E2-E3B085C9AB24}">
+                <p16:designElem xmlns:p16="http://schemas.microsoft.com/office/powerpoint/2015/main" val="1"/>
+              </p:ext>
+            </p:extLst>
+          </p:nvPr>
+        </p:nvSpPr>
+        <p:spPr>
+          <a:xfrm>
+            <a:off x="0" y="0"/>
+            <a:ext cx="12192000" cy="6858000"/>
+          </a:xfrm>
+          <a:prstGeom prst="rect">
+            <a:avLst/>
+          </a:prstGeom>
+          <a:ln>
+            <a:noFill/>
+          </a:ln>
+        </p:spPr>
+        <p:style>
+          <a:lnRef idx="2">
+            <a:schemeClr val="accent1">
+              <a:shade val="50000"/>
+            </a:schemeClr>
+          </a:lnRef>
+          <a:fillRef idx="1">
+            <a:schemeClr val="accent1"/>
+          </a:fillRef>
+          <a:effectRef idx="0">
+            <a:schemeClr val="accent1"/>
+          </a:effectRef>
+          <a:fontRef idx="minor">
+            <a:schemeClr val="lt1"/>
+          </a:fontRef>
+        </p:style>
+        <p:txBody>
+          <a:bodyPr rtlCol="0" anchor="ctr"/>
+          <a:lstStyle/>
+          <a:p>
+            <a:pPr algn="ctr"/>
+            <a:endParaRPr lang="en-US"/>
+          </a:p>
+        </p:txBody>
+      </p:sp>
+      <p:sp>
+        <p:nvSpPr>
+          <p:cNvPr id="10" name="Right Triangle 9">
+            <a:extLst>
+              <a:ext uri="{FF2B5EF4-FFF2-40B4-BE49-F238E27FC236}">
+                <a16:creationId xmlns:a16="http://schemas.microsoft.com/office/drawing/2014/main" id="{5298780A-33B9-4EA2-8F67-DE68AD62841B}"/>
+              </a:ext>
+              <a:ext uri="{C183D7F6-B498-43B3-948B-1728B52AA6E4}">
+                <adec:decorative xmlns:adec="http://schemas.microsoft.com/office/drawing/2017/decorative" val="1"/>
+              </a:ext>
+            </a:extLst>
+          </p:cNvPr>
+          <p:cNvSpPr>
+            <a:spLocks noGrp="1" noRot="1" noChangeAspect="1" noMove="1" noResize="1" noEditPoints="1" noAdjustHandles="1" noChangeArrowheads="1" noChangeShapeType="1" noTextEdit="1"/>
+          </p:cNvSpPr>
+          <p:nvPr>
+            <p:extLst>
+              <p:ext uri="{386F3935-93C4-4BCD-93E2-E3B085C9AB24}">
+                <p16:designElem xmlns:p16="http://schemas.microsoft.com/office/powerpoint/2015/main" val="1"/>
+              </p:ext>
+            </p:extLst>
+          </p:nvPr>
+        </p:nvSpPr>
+        <p:spPr>
+          <a:xfrm flipH="1">
+            <a:off x="8576720" y="3335867"/>
+            <a:ext cx="3291840" cy="3200400"/>
+          </a:xfrm>
+          <a:prstGeom prst="rtTriangle">
+            <a:avLst/>
+          </a:prstGeom>
+          <a:solidFill>
+            <a:schemeClr val="accent4"/>
+          </a:solidFill>
+          <a:ln>
+            <a:noFill/>
+          </a:ln>
+        </p:spPr>
+        <p:style>
+          <a:lnRef idx="2">
+            <a:schemeClr val="accent1">
+              <a:shade val="50000"/>
+            </a:schemeClr>
+          </a:lnRef>
+          <a:fillRef idx="1">
+            <a:schemeClr val="accent1"/>
+          </a:fillRef>
+          <a:effectRef idx="0">
+            <a:schemeClr val="accent1"/>
+          </a:effectRef>
+          <a:fontRef idx="minor">
+            <a:schemeClr val="lt1"/>
+          </a:fontRef>
+        </p:style>
+        <p:txBody>
+          <a:bodyPr rtlCol="0" anchor="ctr"/>
+          <a:lstStyle/>
+          <a:p>
+            <a:pPr algn="ctr"/>
+            <a:endParaRPr lang="en-US" dirty="0"/>
+          </a:p>
+        </p:txBody>
+      </p:sp>
+      <p:sp>
+        <p:nvSpPr>
+          <p:cNvPr id="12" name="Rectangle 11">
+            <a:extLst>
+              <a:ext uri="{FF2B5EF4-FFF2-40B4-BE49-F238E27FC236}">
+                <a16:creationId xmlns:a16="http://schemas.microsoft.com/office/drawing/2014/main" id="{7F488E8B-4E1E-4402-8935-D4E6C02615C7}"/>
+              </a:ext>
+              <a:ext uri="{C183D7F6-B498-43B3-948B-1728B52AA6E4}">
+                <adec:decorative xmlns:adec="http://schemas.microsoft.com/office/drawing/2017/decorative" val="1"/>
+              </a:ext>
+            </a:extLst>
+          </p:cNvPr>
+          <p:cNvSpPr>
+            <a:spLocks noGrp="1" noRot="1" noChangeAspect="1" noMove="1" noResize="1" noEditPoints="1" noAdjustHandles="1" noChangeArrowheads="1" noChangeShapeType="1" noTextEdit="1"/>
+          </p:cNvSpPr>
+          <p:nvPr>
+            <p:extLst>
+              <p:ext uri="{386F3935-93C4-4BCD-93E2-E3B085C9AB24}">
+                <p16:designElem xmlns:p16="http://schemas.microsoft.com/office/powerpoint/2015/main" val="1"/>
+              </p:ext>
+            </p:extLst>
+          </p:nvPr>
+        </p:nvSpPr>
+        <p:spPr>
+          <a:xfrm>
+            <a:off x="641774" y="623275"/>
+            <a:ext cx="10905053" cy="5607882"/>
+          </a:xfrm>
+          <a:prstGeom prst="rect">
+            <a:avLst/>
+          </a:prstGeom>
+          <a:noFill/>
+          <a:ln w="19050">
+            <a:solidFill>
+              <a:schemeClr val="tx1">
+                <a:lumMod val="75000"/>
+                <a:lumOff val="25000"/>
+              </a:schemeClr>
+            </a:solidFill>
+          </a:ln>
+        </p:spPr>
+        <p:style>
+          <a:lnRef idx="2">
+            <a:schemeClr val="accent1">
+              <a:shade val="50000"/>
+            </a:schemeClr>
+          </a:lnRef>
+          <a:fillRef idx="1">
+            <a:schemeClr val="accent1"/>
+          </a:fillRef>
+          <a:effectRef idx="0">
+            <a:schemeClr val="accent1"/>
+          </a:effectRef>
+          <a:fontRef idx="minor">
+            <a:schemeClr val="lt1"/>
+          </a:fontRef>
+        </p:style>
+        <p:txBody>
+          <a:bodyPr rtlCol="0" anchor="ctr"/>
+          <a:lstStyle/>
+          <a:p>
+            <a:pPr algn="ctr"/>
+            <a:endParaRPr lang="en-US"/>
+          </a:p>
+        </p:txBody>
+      </p:sp>
+      <p:sp>
+        <p:nvSpPr>
           <p:cNvPr id="3" name="Marcador de contenido 2">
             <a:extLst>
               <a:ext uri="{FF2B5EF4-FFF2-40B4-BE49-F238E27FC236}">
@@ -4077,26 +4690,42 @@
           <a:lstStyle/>
           <a:p>
             <a:r>
+              <a:rPr lang="es-ES" sz="2600" b="1" dirty="0"/>
+              <a:t>Actividad</a:t>
+            </a:r>
+            <a:r>
               <a:rPr lang="es-ES" sz="2600" dirty="0"/>
-              <a:t>Actividad: Servicio de creación y gestión de copias de seguridad.</a:t>
-            </a:r>
-          </a:p>
-          <a:p>
+              <a:t>: Servicio de creación y gestión de copias de seguridad.</a:t>
+            </a:r>
+          </a:p>
+          <a:p>
+            <a:r>
+              <a:rPr lang="es-ES" sz="2600" b="1" dirty="0"/>
+              <a:t>Necesidad que cubre</a:t>
+            </a:r>
             <a:r>
               <a:rPr lang="es-ES" sz="2600" dirty="0"/>
-              <a:t>Necesidad que cubre: hacer, almacenar y restaurar copias de seguridad.</a:t>
-            </a:r>
-          </a:p>
-          <a:p>
+              <a:t>: hacer, almacenar y restaurar copias de seguridad.</a:t>
+            </a:r>
+          </a:p>
+          <a:p>
+            <a:r>
+              <a:rPr lang="es-ES" sz="2600" b="1" dirty="0"/>
+              <a:t>Clientes</a:t>
+            </a:r>
             <a:r>
               <a:rPr lang="es-ES" sz="2600" dirty="0"/>
-              <a:t>Clientes: PYMES (personal con poca o nula experiencia en la informática, buscan sistema fácil de usar y con buen soporte técnico).</a:t>
-            </a:r>
-          </a:p>
-          <a:p>
+              <a:t>: PYMES (personal con poca o nula experiencia en la informática, buscan sistema fácil de usar y con buen soporte técnico).</a:t>
+            </a:r>
+          </a:p>
+          <a:p>
+            <a:r>
+              <a:rPr lang="es-ES" sz="2600" b="1" dirty="0"/>
+              <a:t>Propuesta de valor</a:t>
+            </a:r>
             <a:r>
               <a:rPr lang="es-ES" sz="2600" dirty="0"/>
-              <a:t>Propuesta de valor: Software sencillo de usar. Cursos de formación a clientes, servicio de almacenamiento en la nube, </a:t>
+              <a:t>: Software sencillo de usar. Cursos de formación a clientes, servicio de almacenamiento en la nube, </a:t>
             </a:r>
             <a:r>
               <a:rPr lang="es-ES" sz="2600" dirty="0" err="1"/>
@@ -4674,22 +5303,34 @@
           <a:p>
             <a:pPr lvl="1"/>
             <a:r>
+              <a:rPr lang="es-ES" sz="2200" b="1" dirty="0"/>
+              <a:t>Cambios frecuentes</a:t>
+            </a:r>
+            <a:r>
               <a:rPr lang="es-ES" sz="2200" dirty="0"/>
-              <a:t>Cambios frecuentes: a nivel técnico. No tanto a nivel legislativo.</a:t>
+              <a:t>: a nivel técnico. No tanto a nivel legislativo.</a:t>
             </a:r>
           </a:p>
           <a:p>
             <a:pPr lvl="1"/>
             <a:r>
+              <a:rPr lang="es-ES" sz="2200" b="1" dirty="0"/>
+              <a:t>Requisito</a:t>
+            </a:r>
+            <a:r>
               <a:rPr lang="es-ES" sz="2200" dirty="0"/>
-              <a:t>Requisito de conocimientos avanzados para operar dentro del sector. Constante actualización.</a:t>
+              <a:t> de conocimientos avanzados para operar dentro del sector. Constante actualización.</a:t>
             </a:r>
           </a:p>
           <a:p>
             <a:pPr lvl="1"/>
             <a:r>
+              <a:rPr lang="es-ES" sz="2200" b="1" dirty="0"/>
+              <a:t>Competencia intensa</a:t>
+            </a:r>
+            <a:r>
               <a:rPr lang="es-ES" sz="2200" dirty="0"/>
-              <a:t>Competencia intensa: grandes empresas (Precios reducidos), pequeñas empresas (servicio personalizado).</a:t>
+              <a:t>: grandes empresas (Precios reducidos), pequeñas empresas (servicio personalizado).</a:t>
             </a:r>
           </a:p>
         </p:txBody>
@@ -4963,22 +5604,42 @@
           <a:p>
             <a:pPr lvl="1"/>
             <a:r>
+              <a:rPr lang="es-ES" sz="2200" b="1" dirty="0"/>
+              <a:t>Competencia alta </a:t>
+            </a:r>
+            <a:r>
               <a:rPr lang="es-ES" sz="2200" dirty="0"/>
-              <a:t>Competencia alta (poco crecimiento y producto parecido).</a:t>
+              <a:t>(poco crecimiento y producto parecido).</a:t>
             </a:r>
           </a:p>
           <a:p>
             <a:pPr lvl="1"/>
             <a:r>
               <a:rPr lang="es-ES" sz="2200" dirty="0"/>
-              <a:t>La entrada de nuevos competidores es posible con una inversión inicial básica.</a:t>
+              <a:t>La </a:t>
+            </a:r>
+            <a:r>
+              <a:rPr lang="es-ES" sz="2200" b="1" dirty="0"/>
+              <a:t>entrada de nuevos competidores </a:t>
+            </a:r>
+            <a:r>
+              <a:rPr lang="es-ES" sz="2200" dirty="0"/>
+              <a:t>es posible con una inversión inicial básica.</a:t>
             </a:r>
           </a:p>
           <a:p>
             <a:pPr lvl="1"/>
             <a:r>
               <a:rPr lang="es-ES" sz="2200" dirty="0"/>
-              <a:t>Hay pocos sustitutos directos del producto.</a:t>
+              <a:t>Hay </a:t>
+            </a:r>
+            <a:r>
+              <a:rPr lang="es-ES" sz="2200" b="1" dirty="0"/>
+              <a:t>pocos sustitutos </a:t>
+            </a:r>
+            <a:r>
+              <a:rPr lang="es-ES" sz="2200" dirty="0"/>
+              <a:t>directos del producto.</a:t>
             </a:r>
           </a:p>
           <a:p>
@@ -5864,7 +6525,7 @@
           <p:nvPr>
             <p:extLst>
               <p:ext uri="{D42A27DB-BD31-4B8C-83A1-F6EECF244321}">
-                <p14:modId xmlns:p14="http://schemas.microsoft.com/office/powerpoint/2010/main" val="1606001312"/>
+                <p14:modId xmlns:p14="http://schemas.microsoft.com/office/powerpoint/2010/main" val="2097747751"/>
               </p:ext>
             </p:extLst>
           </p:nvPr>
@@ -5909,7 +6570,7 @@
                         <a:buNone/>
                       </a:pPr>
                       <a:r>
-                        <a:rPr lang="en-US" sz="2700" b="0" i="0" u="none" strike="noStrike" kern="100">
+                        <a:rPr lang="en-US" sz="2700" b="0" i="0" u="none" strike="noStrike" kern="100" dirty="0">
                           <a:solidFill>
                             <a:srgbClr val="000000"/>
                           </a:solidFill>
@@ -5920,7 +6581,7 @@
                         </a:rPr>
                         <a:t>FACTORES INTERNOS</a:t>
                       </a:r>
-                      <a:endParaRPr lang="en-US" sz="2700" b="0" i="0" u="none" strike="noStrike">
+                      <a:endParaRPr lang="en-US" sz="2700" b="0" i="0" u="none" strike="noStrike" dirty="0">
                         <a:effectLst/>
                         <a:latin typeface="Arial" panose="020B0604020202020204" pitchFamily="34" charset="0"/>
                       </a:endParaRPr>
@@ -5980,7 +6641,7 @@
                         <a:buNone/>
                       </a:pPr>
                       <a:r>
-                        <a:rPr lang="en-US" sz="2400" b="0" i="0" u="none" strike="noStrike" kern="100">
+                        <a:rPr lang="en-US" sz="2400" b="0" i="0" u="none" strike="noStrike" kern="100" dirty="0">
                           <a:solidFill>
                             <a:srgbClr val="000000"/>
                           </a:solidFill>
@@ -5991,7 +6652,7 @@
                         </a:rPr>
                         <a:t>FORTALEZAS +</a:t>
                       </a:r>
-                      <a:endParaRPr lang="en-US" sz="2700" b="0" i="0" u="none" strike="noStrike">
+                      <a:endParaRPr lang="en-US" sz="2700" b="0" i="0" u="none" strike="noStrike" dirty="0">
                         <a:effectLst/>
                         <a:latin typeface="Arial" panose="020B0604020202020204" pitchFamily="34" charset="0"/>
                       </a:endParaRPr>
@@ -6135,7 +6796,7 @@
                         <a:buChar char="o"/>
                       </a:pPr>
                       <a:r>
-                        <a:rPr lang="en-US" sz="1600" b="0" i="0" u="none" strike="noStrike" kern="100" dirty="0" err="1">
+                        <a:rPr lang="es-ES" sz="1600" b="0" i="0" u="none" strike="noStrike" kern="100" noProof="0" dirty="0">
                           <a:solidFill>
                             <a:srgbClr val="000000"/>
                           </a:solidFill>
@@ -6144,69 +6805,9 @@
                           <a:ea typeface="Aptos" panose="020B0004020202020204" pitchFamily="34" charset="0"/>
                           <a:cs typeface="Calibri" panose="020F0502020204030204" pitchFamily="34" charset="0"/>
                         </a:rPr>
-                        <a:t>Ofrecemos</a:t>
+                        <a:t>Ofrecemos un producto a medida.</a:t>
                       </a:r>
-                      <a:r>
-                        <a:rPr lang="en-US" sz="1600" b="0" i="0" u="none" strike="noStrike" kern="100" dirty="0">
-                          <a:solidFill>
-                            <a:srgbClr val="000000"/>
-                          </a:solidFill>
-                          <a:effectLst/>
-                          <a:latin typeface="Aptos" panose="020B0004020202020204" pitchFamily="34" charset="0"/>
-                          <a:ea typeface="Aptos" panose="020B0004020202020204" pitchFamily="34" charset="0"/>
-                          <a:cs typeface="Calibri" panose="020F0502020204030204" pitchFamily="34" charset="0"/>
-                        </a:rPr>
-                        <a:t> un </a:t>
-                      </a:r>
-                      <a:r>
-                        <a:rPr lang="en-US" sz="1600" b="0" i="0" u="none" strike="noStrike" kern="100" dirty="0" err="1">
-                          <a:solidFill>
-                            <a:srgbClr val="000000"/>
-                          </a:solidFill>
-                          <a:effectLst/>
-                          <a:latin typeface="Aptos" panose="020B0004020202020204" pitchFamily="34" charset="0"/>
-                          <a:ea typeface="Aptos" panose="020B0004020202020204" pitchFamily="34" charset="0"/>
-                          <a:cs typeface="Calibri" panose="020F0502020204030204" pitchFamily="34" charset="0"/>
-                        </a:rPr>
-                        <a:t>producto</a:t>
-                      </a:r>
-                      <a:r>
-                        <a:rPr lang="en-US" sz="1600" b="0" i="0" u="none" strike="noStrike" kern="100" dirty="0">
-                          <a:solidFill>
-                            <a:srgbClr val="000000"/>
-                          </a:solidFill>
-                          <a:effectLst/>
-                          <a:latin typeface="Aptos" panose="020B0004020202020204" pitchFamily="34" charset="0"/>
-                          <a:ea typeface="Aptos" panose="020B0004020202020204" pitchFamily="34" charset="0"/>
-                          <a:cs typeface="Calibri" panose="020F0502020204030204" pitchFamily="34" charset="0"/>
-                        </a:rPr>
-                        <a:t> a </a:t>
-                      </a:r>
-                      <a:r>
-                        <a:rPr lang="en-US" sz="1600" b="0" i="0" u="none" strike="noStrike" kern="100" dirty="0" err="1">
-                          <a:solidFill>
-                            <a:srgbClr val="000000"/>
-                          </a:solidFill>
-                          <a:effectLst/>
-                          <a:latin typeface="Aptos" panose="020B0004020202020204" pitchFamily="34" charset="0"/>
-                          <a:ea typeface="Aptos" panose="020B0004020202020204" pitchFamily="34" charset="0"/>
-                          <a:cs typeface="Calibri" panose="020F0502020204030204" pitchFamily="34" charset="0"/>
-                        </a:rPr>
-                        <a:t>medida</a:t>
-                      </a:r>
-                      <a:r>
-                        <a:rPr lang="en-US" sz="1600" b="0" i="0" u="none" strike="noStrike" kern="100" dirty="0">
-                          <a:solidFill>
-                            <a:srgbClr val="000000"/>
-                          </a:solidFill>
-                          <a:effectLst/>
-                          <a:latin typeface="Aptos" panose="020B0004020202020204" pitchFamily="34" charset="0"/>
-                          <a:ea typeface="Aptos" panose="020B0004020202020204" pitchFamily="34" charset="0"/>
-                          <a:cs typeface="Calibri" panose="020F0502020204030204" pitchFamily="34" charset="0"/>
-                        </a:rPr>
-                        <a:t>.</a:t>
-                      </a:r>
-                      <a:endParaRPr lang="en-US" sz="1600" b="0" i="0" u="none" strike="noStrike" dirty="0">
+                      <a:endParaRPr lang="es-ES" sz="1600" b="0" i="0" u="none" strike="noStrike" noProof="0" dirty="0">
                         <a:effectLst/>
                         <a:latin typeface="Arial" panose="020B0604020202020204" pitchFamily="34" charset="0"/>
                       </a:endParaRPr>
@@ -6220,7 +6821,7 @@
                         <a:buChar char="o"/>
                       </a:pPr>
                       <a:r>
-                        <a:rPr lang="en-US" sz="1600" b="0" i="0" u="none" strike="noStrike" kern="100" dirty="0">
+                        <a:rPr lang="es-ES" sz="1600" b="0" i="0" u="none" strike="noStrike" kern="100" noProof="0" dirty="0">
                           <a:solidFill>
                             <a:srgbClr val="000000"/>
                           </a:solidFill>
@@ -6229,81 +6830,9 @@
                           <a:ea typeface="Aptos" panose="020B0004020202020204" pitchFamily="34" charset="0"/>
                           <a:cs typeface="Calibri" panose="020F0502020204030204" pitchFamily="34" charset="0"/>
                         </a:rPr>
-                        <a:t>Muy </a:t>
+                        <a:t>Muy buena atención al cliente.</a:t>
                       </a:r>
-                      <a:r>
-                        <a:rPr lang="en-US" sz="1600" b="0" i="0" u="none" strike="noStrike" kern="100" dirty="0" err="1">
-                          <a:solidFill>
-                            <a:srgbClr val="000000"/>
-                          </a:solidFill>
-                          <a:effectLst/>
-                          <a:latin typeface="Aptos" panose="020B0004020202020204" pitchFamily="34" charset="0"/>
-                          <a:ea typeface="Aptos" panose="020B0004020202020204" pitchFamily="34" charset="0"/>
-                          <a:cs typeface="Calibri" panose="020F0502020204030204" pitchFamily="34" charset="0"/>
-                        </a:rPr>
-                        <a:t>buena</a:t>
-                      </a:r>
-                      <a:r>
-                        <a:rPr lang="en-US" sz="1600" b="0" i="0" u="none" strike="noStrike" kern="100" dirty="0">
-                          <a:solidFill>
-                            <a:srgbClr val="000000"/>
-                          </a:solidFill>
-                          <a:effectLst/>
-                          <a:latin typeface="Aptos" panose="020B0004020202020204" pitchFamily="34" charset="0"/>
-                          <a:ea typeface="Aptos" panose="020B0004020202020204" pitchFamily="34" charset="0"/>
-                          <a:cs typeface="Calibri" panose="020F0502020204030204" pitchFamily="34" charset="0"/>
-                        </a:rPr>
-                        <a:t> </a:t>
-                      </a:r>
-                      <a:r>
-                        <a:rPr lang="en-US" sz="1600" b="0" i="0" u="none" strike="noStrike" kern="100" dirty="0" err="1">
-                          <a:solidFill>
-                            <a:srgbClr val="000000"/>
-                          </a:solidFill>
-                          <a:effectLst/>
-                          <a:latin typeface="Aptos" panose="020B0004020202020204" pitchFamily="34" charset="0"/>
-                          <a:ea typeface="Aptos" panose="020B0004020202020204" pitchFamily="34" charset="0"/>
-                          <a:cs typeface="Calibri" panose="020F0502020204030204" pitchFamily="34" charset="0"/>
-                        </a:rPr>
-                        <a:t>atención</a:t>
-                      </a:r>
-                      <a:r>
-                        <a:rPr lang="en-US" sz="1600" b="0" i="0" u="none" strike="noStrike" kern="100" dirty="0">
-                          <a:solidFill>
-                            <a:srgbClr val="000000"/>
-                          </a:solidFill>
-                          <a:effectLst/>
-                          <a:latin typeface="Aptos" panose="020B0004020202020204" pitchFamily="34" charset="0"/>
-                          <a:ea typeface="Aptos" panose="020B0004020202020204" pitchFamily="34" charset="0"/>
-                          <a:cs typeface="Calibri" panose="020F0502020204030204" pitchFamily="34" charset="0"/>
-                        </a:rPr>
-                        <a:t> al </a:t>
-                      </a:r>
-                      <a:r>
-                        <a:rPr lang="en-US" sz="1600" b="0" i="0" u="none" strike="noStrike" kern="100" dirty="0" err="1">
-                          <a:solidFill>
-                            <a:srgbClr val="000000"/>
-                          </a:solidFill>
-                          <a:effectLst/>
-                          <a:latin typeface="Aptos" panose="020B0004020202020204" pitchFamily="34" charset="0"/>
-                          <a:ea typeface="Aptos" panose="020B0004020202020204" pitchFamily="34" charset="0"/>
-                          <a:cs typeface="Calibri" panose="020F0502020204030204" pitchFamily="34" charset="0"/>
-                        </a:rPr>
-                        <a:t>cliente</a:t>
-                      </a:r>
-                      <a:r>
-                        <a:rPr lang="en-US" sz="1600" b="0" i="0" u="none" strike="noStrike" kern="100" dirty="0">
-                          <a:solidFill>
-                            <a:srgbClr val="000000"/>
-                          </a:solidFill>
-                          <a:effectLst/>
-                          <a:latin typeface="Aptos" panose="020B0004020202020204" pitchFamily="34" charset="0"/>
-                          <a:ea typeface="Aptos" panose="020B0004020202020204" pitchFamily="34" charset="0"/>
-                          <a:cs typeface="Calibri" panose="020F0502020204030204" pitchFamily="34" charset="0"/>
-                        </a:rPr>
-                        <a:t>.</a:t>
-                      </a:r>
-                      <a:endParaRPr lang="en-US" sz="2700" b="0" i="0" u="none" strike="noStrike" dirty="0">
+                      <a:endParaRPr lang="es-ES" sz="2700" b="0" i="0" u="none" strike="noStrike" noProof="0" dirty="0">
                         <a:effectLst/>
                         <a:latin typeface="Arial" panose="020B0604020202020204" pitchFamily="34" charset="0"/>
                       </a:endParaRPr>
@@ -6317,7 +6846,7 @@
                         <a:buChar char="o"/>
                       </a:pPr>
                       <a:r>
-                        <a:rPr lang="en-US" sz="1600" b="0" i="0" u="none" strike="noStrike" kern="100" dirty="0" err="1">
+                        <a:rPr lang="es-ES" sz="1600" b="0" i="0" u="none" strike="noStrike" kern="100" noProof="0" dirty="0">
                           <a:solidFill>
                             <a:srgbClr val="000000"/>
                           </a:solidFill>
@@ -6326,69 +6855,9 @@
                           <a:ea typeface="Aptos" panose="020B0004020202020204" pitchFamily="34" charset="0"/>
                           <a:cs typeface="Calibri" panose="020F0502020204030204" pitchFamily="34" charset="0"/>
                         </a:rPr>
-                        <a:t>Recursos</a:t>
+                        <a:t>Recursos humanos cualificados.</a:t>
                       </a:r>
-                      <a:r>
-                        <a:rPr lang="en-US" sz="1600" b="0" i="0" u="none" strike="noStrike" kern="100" dirty="0">
-                          <a:solidFill>
-                            <a:srgbClr val="000000"/>
-                          </a:solidFill>
-                          <a:effectLst/>
-                          <a:latin typeface="Aptos" panose="020B0004020202020204" pitchFamily="34" charset="0"/>
-                          <a:ea typeface="Aptos" panose="020B0004020202020204" pitchFamily="34" charset="0"/>
-                          <a:cs typeface="Calibri" panose="020F0502020204030204" pitchFamily="34" charset="0"/>
-                        </a:rPr>
-                        <a:t> </a:t>
-                      </a:r>
-                      <a:r>
-                        <a:rPr lang="en-US" sz="1600" b="0" i="0" u="none" strike="noStrike" kern="100" dirty="0" err="1">
-                          <a:solidFill>
-                            <a:srgbClr val="000000"/>
-                          </a:solidFill>
-                          <a:effectLst/>
-                          <a:latin typeface="Aptos" panose="020B0004020202020204" pitchFamily="34" charset="0"/>
-                          <a:ea typeface="Aptos" panose="020B0004020202020204" pitchFamily="34" charset="0"/>
-                          <a:cs typeface="Calibri" panose="020F0502020204030204" pitchFamily="34" charset="0"/>
-                        </a:rPr>
-                        <a:t>humanos</a:t>
-                      </a:r>
-                      <a:r>
-                        <a:rPr lang="en-US" sz="1600" b="0" i="0" u="none" strike="noStrike" kern="100" dirty="0">
-                          <a:solidFill>
-                            <a:srgbClr val="000000"/>
-                          </a:solidFill>
-                          <a:effectLst/>
-                          <a:latin typeface="Aptos" panose="020B0004020202020204" pitchFamily="34" charset="0"/>
-                          <a:ea typeface="Aptos" panose="020B0004020202020204" pitchFamily="34" charset="0"/>
-                          <a:cs typeface="Calibri" panose="020F0502020204030204" pitchFamily="34" charset="0"/>
-                        </a:rPr>
-                        <a:t> </a:t>
-                      </a:r>
-                      <a:r>
-                        <a:rPr lang="en-US" sz="1600" b="0" i="0" u="none" strike="noStrike" kern="100" dirty="0" err="1">
-                          <a:solidFill>
-                            <a:srgbClr val="000000"/>
-                          </a:solidFill>
-                          <a:effectLst/>
-                          <a:latin typeface="Aptos" panose="020B0004020202020204" pitchFamily="34" charset="0"/>
-                          <a:ea typeface="Aptos" panose="020B0004020202020204" pitchFamily="34" charset="0"/>
-                          <a:cs typeface="Calibri" panose="020F0502020204030204" pitchFamily="34" charset="0"/>
-                        </a:rPr>
-                        <a:t>cualificados</a:t>
-                      </a:r>
-                      <a:r>
-                        <a:rPr lang="en-US" sz="1600" b="0" i="0" u="none" strike="noStrike" kern="100" dirty="0">
-                          <a:solidFill>
-                            <a:srgbClr val="000000"/>
-                          </a:solidFill>
-                          <a:effectLst/>
-                          <a:latin typeface="Aptos" panose="020B0004020202020204" pitchFamily="34" charset="0"/>
-                          <a:ea typeface="Aptos" panose="020B0004020202020204" pitchFamily="34" charset="0"/>
-                          <a:cs typeface="Calibri" panose="020F0502020204030204" pitchFamily="34" charset="0"/>
-                        </a:rPr>
-                        <a:t>.</a:t>
-                      </a:r>
-                      <a:endParaRPr lang="en-US" sz="2700" b="0" i="0" u="none" strike="noStrike" dirty="0">
+                      <a:endParaRPr lang="es-ES" sz="2700" b="0" i="0" u="none" strike="noStrike" noProof="0" dirty="0">
                         <a:effectLst/>
                         <a:latin typeface="Arial" panose="020B0604020202020204" pitchFamily="34" charset="0"/>
                       </a:endParaRPr>
@@ -7114,6 +7583,62 @@
           </a:graphicData>
         </a:graphic>
       </p:graphicFrame>
+      <p:sp>
+        <p:nvSpPr>
+          <p:cNvPr id="3" name="CuadroTexto 2">
+            <a:extLst>
+              <a:ext uri="{FF2B5EF4-FFF2-40B4-BE49-F238E27FC236}">
+                <a16:creationId xmlns:a16="http://schemas.microsoft.com/office/drawing/2014/main" id="{CF7C25A3-63B2-83EF-99D6-14E53C3CB0A5}"/>
+              </a:ext>
+            </a:extLst>
+          </p:cNvPr>
+          <p:cNvSpPr txBox="1"/>
+          <p:nvPr/>
+        </p:nvSpPr>
+        <p:spPr>
+          <a:xfrm>
+            <a:off x="3045759" y="183438"/>
+            <a:ext cx="6100482" cy="658642"/>
+          </a:xfrm>
+          <a:prstGeom prst="rect">
+            <a:avLst/>
+          </a:prstGeom>
+          <a:noFill/>
+        </p:spPr>
+        <p:txBody>
+          <a:bodyPr wrap="square">
+            <a:spAutoFit/>
+          </a:bodyPr>
+          <a:lstStyle/>
+          <a:p>
+            <a:pPr algn="ctr" fontAlgn="ctr">
+              <a:lnSpc>
+                <a:spcPct val="115000"/>
+              </a:lnSpc>
+              <a:spcAft>
+                <a:spcPts val="800"/>
+              </a:spcAft>
+              <a:buNone/>
+            </a:pPr>
+            <a:r>
+              <a:rPr lang="en-US" sz="3200" b="1" i="0" u="none" strike="noStrike" kern="100" dirty="0">
+                <a:solidFill>
+                  <a:srgbClr val="000000"/>
+                </a:solidFill>
+                <a:effectLst/>
+                <a:latin typeface="Aptos" panose="020B0004020202020204" pitchFamily="34" charset="0"/>
+                <a:ea typeface="Aptos" panose="020B0004020202020204" pitchFamily="34" charset="0"/>
+                <a:cs typeface="Times New Roman" panose="02020603050405020304" pitchFamily="18" charset="0"/>
+              </a:rPr>
+              <a:t>DAFO</a:t>
+            </a:r>
+            <a:endParaRPr lang="en-US" sz="3200" b="1" i="0" u="none" strike="noStrike" dirty="0">
+              <a:effectLst/>
+              <a:latin typeface="Arial" panose="020B0604020202020204" pitchFamily="34" charset="0"/>
+            </a:endParaRPr>
+          </a:p>
+        </p:txBody>
+      </p:sp>
     </p:spTree>
     <p:extLst>
       <p:ext uri="{BB962C8B-B14F-4D97-AF65-F5344CB8AC3E}">
@@ -8296,10 +8821,1560 @@
           </a:graphicData>
         </a:graphic>
       </p:graphicFrame>
+      <p:sp>
+        <p:nvSpPr>
+          <p:cNvPr id="4" name="CuadroTexto 3">
+            <a:extLst>
+              <a:ext uri="{FF2B5EF4-FFF2-40B4-BE49-F238E27FC236}">
+                <a16:creationId xmlns:a16="http://schemas.microsoft.com/office/drawing/2014/main" id="{30492E9D-1BC1-A5B3-98CC-80965C2797EA}"/>
+              </a:ext>
+            </a:extLst>
+          </p:cNvPr>
+          <p:cNvSpPr txBox="1"/>
+          <p:nvPr/>
+        </p:nvSpPr>
+        <p:spPr>
+          <a:xfrm>
+            <a:off x="3045759" y="67974"/>
+            <a:ext cx="6100482" cy="658642"/>
+          </a:xfrm>
+          <a:prstGeom prst="rect">
+            <a:avLst/>
+          </a:prstGeom>
+          <a:noFill/>
+        </p:spPr>
+        <p:txBody>
+          <a:bodyPr wrap="square">
+            <a:spAutoFit/>
+          </a:bodyPr>
+          <a:lstStyle/>
+          <a:p>
+            <a:pPr algn="ctr" fontAlgn="ctr">
+              <a:lnSpc>
+                <a:spcPct val="115000"/>
+              </a:lnSpc>
+              <a:spcAft>
+                <a:spcPts val="800"/>
+              </a:spcAft>
+              <a:buNone/>
+            </a:pPr>
+            <a:r>
+              <a:rPr lang="en-US" sz="3200" b="1" i="0" u="none" strike="noStrike" kern="100" dirty="0">
+                <a:solidFill>
+                  <a:srgbClr val="000000"/>
+                </a:solidFill>
+                <a:effectLst/>
+                <a:latin typeface="Aptos" panose="020B0004020202020204" pitchFamily="34" charset="0"/>
+                <a:ea typeface="Aptos" panose="020B0004020202020204" pitchFamily="34" charset="0"/>
+                <a:cs typeface="Times New Roman" panose="02020603050405020304" pitchFamily="18" charset="0"/>
+              </a:rPr>
+              <a:t>CAME</a:t>
+            </a:r>
+            <a:endParaRPr lang="en-US" sz="3200" b="1" i="0" u="none" strike="noStrike" dirty="0">
+              <a:effectLst/>
+              <a:latin typeface="Arial" panose="020B0604020202020204" pitchFamily="34" charset="0"/>
+            </a:endParaRPr>
+          </a:p>
+        </p:txBody>
+      </p:sp>
     </p:spTree>
     <p:extLst>
       <p:ext uri="{BB962C8B-B14F-4D97-AF65-F5344CB8AC3E}">
         <p14:creationId xmlns:p14="http://schemas.microsoft.com/office/powerpoint/2010/main" val="192599017"/>
+      </p:ext>
+    </p:extLst>
+  </p:cSld>
+  <p:clrMapOvr>
+    <a:masterClrMapping/>
+  </p:clrMapOvr>
+</p:sld>
+</file>
+
+<file path=ppt/slides/slide7.xml><?xml version="1.0" encoding="utf-8"?>
+<p:sld xmlns:a="http://schemas.openxmlformats.org/drawingml/2006/main" xmlns:r="http://schemas.openxmlformats.org/officeDocument/2006/relationships" xmlns:p="http://schemas.openxmlformats.org/presentationml/2006/main">
+  <p:cSld>
+    <p:bg>
+      <p:bgPr>
+        <a:solidFill>
+          <a:schemeClr val="bg1"/>
+        </a:solidFill>
+        <a:effectLst/>
+      </p:bgPr>
+    </p:bg>
+    <p:spTree>
+      <p:nvGrpSpPr>
+        <p:cNvPr id="1" name="">
+          <a:extLst>
+            <a:ext uri="{FF2B5EF4-FFF2-40B4-BE49-F238E27FC236}">
+              <a16:creationId xmlns:a16="http://schemas.microsoft.com/office/drawing/2014/main" id="{F2960C00-9AC5-0F74-17EB-414BE55C83FD}"/>
+            </a:ext>
+          </a:extLst>
+        </p:cNvPr>
+        <p:cNvGrpSpPr/>
+        <p:nvPr/>
+      </p:nvGrpSpPr>
+      <p:grpSpPr>
+        <a:xfrm>
+          <a:off x="0" y="0"/>
+          <a:ext cx="0" cy="0"/>
+          <a:chOff x="0" y="0"/>
+          <a:chExt cx="0" cy="0"/>
+        </a:xfrm>
+      </p:grpSpPr>
+      <p:sp useBgFill="1">
+        <p:nvSpPr>
+          <p:cNvPr id="8" name="Rectangle 7">
+            <a:extLst>
+              <a:ext uri="{FF2B5EF4-FFF2-40B4-BE49-F238E27FC236}">
+                <a16:creationId xmlns:a16="http://schemas.microsoft.com/office/drawing/2014/main" id="{CD492DE7-0597-9833-95A5-36CFAF76B494}"/>
+              </a:ext>
+              <a:ext uri="{C183D7F6-B498-43B3-948B-1728B52AA6E4}">
+                <adec:decorative xmlns:adec="http://schemas.microsoft.com/office/drawing/2017/decorative" val="1"/>
+              </a:ext>
+            </a:extLst>
+          </p:cNvPr>
+          <p:cNvSpPr>
+            <a:spLocks noGrp="1" noRot="1" noChangeAspect="1" noMove="1" noResize="1" noEditPoints="1" noAdjustHandles="1" noChangeArrowheads="1" noChangeShapeType="1" noTextEdit="1"/>
+          </p:cNvSpPr>
+          <p:nvPr>
+            <p:extLst>
+              <p:ext uri="{386F3935-93C4-4BCD-93E2-E3B085C9AB24}">
+                <p16:designElem xmlns:p16="http://schemas.microsoft.com/office/powerpoint/2015/main" val="1"/>
+              </p:ext>
+            </p:extLst>
+          </p:nvPr>
+        </p:nvSpPr>
+        <p:spPr>
+          <a:xfrm>
+            <a:off x="0" y="0"/>
+            <a:ext cx="12192000" cy="6858000"/>
+          </a:xfrm>
+          <a:prstGeom prst="rect">
+            <a:avLst/>
+          </a:prstGeom>
+          <a:ln>
+            <a:noFill/>
+          </a:ln>
+        </p:spPr>
+        <p:style>
+          <a:lnRef idx="2">
+            <a:schemeClr val="accent1">
+              <a:shade val="50000"/>
+            </a:schemeClr>
+          </a:lnRef>
+          <a:fillRef idx="1">
+            <a:schemeClr val="accent1"/>
+          </a:fillRef>
+          <a:effectRef idx="0">
+            <a:schemeClr val="accent1"/>
+          </a:effectRef>
+          <a:fontRef idx="minor">
+            <a:schemeClr val="lt1"/>
+          </a:fontRef>
+        </p:style>
+        <p:txBody>
+          <a:bodyPr rtlCol="0" anchor="ctr"/>
+          <a:lstStyle/>
+          <a:p>
+            <a:pPr algn="ctr"/>
+            <a:endParaRPr lang="en-US"/>
+          </a:p>
+        </p:txBody>
+      </p:sp>
+      <p:sp>
+        <p:nvSpPr>
+          <p:cNvPr id="10" name="Right Triangle 9">
+            <a:extLst>
+              <a:ext uri="{FF2B5EF4-FFF2-40B4-BE49-F238E27FC236}">
+                <a16:creationId xmlns:a16="http://schemas.microsoft.com/office/drawing/2014/main" id="{B18D4BB6-D99E-AB65-7ADC-6F3504EC9818}"/>
+              </a:ext>
+              <a:ext uri="{C183D7F6-B498-43B3-948B-1728B52AA6E4}">
+                <adec:decorative xmlns:adec="http://schemas.microsoft.com/office/drawing/2017/decorative" val="1"/>
+              </a:ext>
+            </a:extLst>
+          </p:cNvPr>
+          <p:cNvSpPr>
+            <a:spLocks noGrp="1" noRot="1" noChangeAspect="1" noMove="1" noResize="1" noEditPoints="1" noAdjustHandles="1" noChangeArrowheads="1" noChangeShapeType="1" noTextEdit="1"/>
+          </p:cNvSpPr>
+          <p:nvPr>
+            <p:extLst>
+              <p:ext uri="{386F3935-93C4-4BCD-93E2-E3B085C9AB24}">
+                <p16:designElem xmlns:p16="http://schemas.microsoft.com/office/powerpoint/2015/main" val="1"/>
+              </p:ext>
+            </p:extLst>
+          </p:nvPr>
+        </p:nvSpPr>
+        <p:spPr>
+          <a:xfrm flipH="1">
+            <a:off x="8576720" y="3335867"/>
+            <a:ext cx="3291840" cy="3200400"/>
+          </a:xfrm>
+          <a:prstGeom prst="rtTriangle">
+            <a:avLst/>
+          </a:prstGeom>
+          <a:solidFill>
+            <a:schemeClr val="accent4"/>
+          </a:solidFill>
+          <a:ln>
+            <a:noFill/>
+          </a:ln>
+        </p:spPr>
+        <p:style>
+          <a:lnRef idx="2">
+            <a:schemeClr val="accent1">
+              <a:shade val="50000"/>
+            </a:schemeClr>
+          </a:lnRef>
+          <a:fillRef idx="1">
+            <a:schemeClr val="accent1"/>
+          </a:fillRef>
+          <a:effectRef idx="0">
+            <a:schemeClr val="accent1"/>
+          </a:effectRef>
+          <a:fontRef idx="minor">
+            <a:schemeClr val="lt1"/>
+          </a:fontRef>
+        </p:style>
+        <p:txBody>
+          <a:bodyPr rtlCol="0" anchor="ctr"/>
+          <a:lstStyle/>
+          <a:p>
+            <a:pPr algn="ctr"/>
+            <a:endParaRPr lang="en-US" dirty="0"/>
+          </a:p>
+        </p:txBody>
+      </p:sp>
+      <p:sp>
+        <p:nvSpPr>
+          <p:cNvPr id="12" name="Rectangle 11">
+            <a:extLst>
+              <a:ext uri="{FF2B5EF4-FFF2-40B4-BE49-F238E27FC236}">
+                <a16:creationId xmlns:a16="http://schemas.microsoft.com/office/drawing/2014/main" id="{661BAD11-7BDA-3C04-33CE-3BFE3DB01347}"/>
+              </a:ext>
+              <a:ext uri="{C183D7F6-B498-43B3-948B-1728B52AA6E4}">
+                <adec:decorative xmlns:adec="http://schemas.microsoft.com/office/drawing/2017/decorative" val="1"/>
+              </a:ext>
+            </a:extLst>
+          </p:cNvPr>
+          <p:cNvSpPr>
+            <a:spLocks noGrp="1" noRot="1" noChangeAspect="1" noMove="1" noResize="1" noEditPoints="1" noAdjustHandles="1" noChangeArrowheads="1" noChangeShapeType="1" noTextEdit="1"/>
+          </p:cNvSpPr>
+          <p:nvPr>
+            <p:extLst>
+              <p:ext uri="{386F3935-93C4-4BCD-93E2-E3B085C9AB24}">
+                <p16:designElem xmlns:p16="http://schemas.microsoft.com/office/powerpoint/2015/main" val="1"/>
+              </p:ext>
+            </p:extLst>
+          </p:nvPr>
+        </p:nvSpPr>
+        <p:spPr>
+          <a:xfrm>
+            <a:off x="641774" y="623275"/>
+            <a:ext cx="10905053" cy="5607882"/>
+          </a:xfrm>
+          <a:prstGeom prst="rect">
+            <a:avLst/>
+          </a:prstGeom>
+          <a:noFill/>
+          <a:ln w="19050">
+            <a:solidFill>
+              <a:schemeClr val="tx1">
+                <a:lumMod val="75000"/>
+                <a:lumOff val="25000"/>
+              </a:schemeClr>
+            </a:solidFill>
+          </a:ln>
+        </p:spPr>
+        <p:style>
+          <a:lnRef idx="2">
+            <a:schemeClr val="accent1">
+              <a:shade val="50000"/>
+            </a:schemeClr>
+          </a:lnRef>
+          <a:fillRef idx="1">
+            <a:schemeClr val="accent1"/>
+          </a:fillRef>
+          <a:effectRef idx="0">
+            <a:schemeClr val="accent1"/>
+          </a:effectRef>
+          <a:fontRef idx="minor">
+            <a:schemeClr val="lt1"/>
+          </a:fontRef>
+        </p:style>
+        <p:txBody>
+          <a:bodyPr rtlCol="0" anchor="ctr"/>
+          <a:lstStyle/>
+          <a:p>
+            <a:pPr algn="ctr"/>
+            <a:endParaRPr lang="en-US"/>
+          </a:p>
+        </p:txBody>
+      </p:sp>
+      <p:sp>
+        <p:nvSpPr>
+          <p:cNvPr id="3" name="Marcador de contenido 2">
+            <a:extLst>
+              <a:ext uri="{FF2B5EF4-FFF2-40B4-BE49-F238E27FC236}">
+                <a16:creationId xmlns:a16="http://schemas.microsoft.com/office/drawing/2014/main" id="{0742B23C-18F3-54EA-2D67-8AF0C9490460}"/>
+              </a:ext>
+            </a:extLst>
+          </p:cNvPr>
+          <p:cNvSpPr>
+            <a:spLocks noGrp="1"/>
+          </p:cNvSpPr>
+          <p:nvPr>
+            <p:ph idx="1"/>
+          </p:nvPr>
+        </p:nvSpPr>
+        <p:spPr>
+          <a:xfrm>
+            <a:off x="858520" y="766721"/>
+            <a:ext cx="8360432" cy="1429632"/>
+          </a:xfrm>
+        </p:spPr>
+        <p:txBody>
+          <a:bodyPr anchor="t">
+            <a:normAutofit/>
+          </a:bodyPr>
+          <a:lstStyle/>
+          <a:p>
+            <a:r>
+              <a:rPr lang="es-ES" sz="2600" b="1" dirty="0"/>
+              <a:t>Posicionamiento:</a:t>
+            </a:r>
+          </a:p>
+          <a:p>
+            <a:pPr lvl="1"/>
+            <a:r>
+              <a:rPr lang="es-ES" sz="1800" b="1" dirty="0"/>
+              <a:t>Calidad: Alta.</a:t>
+            </a:r>
+          </a:p>
+          <a:p>
+            <a:pPr lvl="1"/>
+            <a:r>
+              <a:rPr lang="es-ES" sz="1800" b="1" dirty="0"/>
+              <a:t>Precio: Medio.</a:t>
+            </a:r>
+          </a:p>
+          <a:p>
+            <a:pPr lvl="1"/>
+            <a:r>
+              <a:rPr lang="es-ES" sz="1800" b="1" dirty="0"/>
+              <a:t>Valor percibido: Gran producto a buen precio.</a:t>
+            </a:r>
+            <a:endParaRPr lang="es-ES" sz="1800" dirty="0"/>
+          </a:p>
+          <a:p>
+            <a:pPr marL="457200" lvl="1" indent="0">
+              <a:buNone/>
+            </a:pPr>
+            <a:endParaRPr lang="es-ES" sz="1400" dirty="0"/>
+          </a:p>
+        </p:txBody>
+      </p:sp>
+      <p:pic>
+        <p:nvPicPr>
+          <p:cNvPr id="7" name="Imagen 6" descr="Escala de tiempo&#10;&#10;El contenido generado por IA puede ser incorrecto.">
+            <a:extLst>
+              <a:ext uri="{FF2B5EF4-FFF2-40B4-BE49-F238E27FC236}">
+                <a16:creationId xmlns:a16="http://schemas.microsoft.com/office/drawing/2014/main" id="{7A477596-EF35-2E9D-EA4F-5E141A0A508A}"/>
+              </a:ext>
+            </a:extLst>
+          </p:cNvPr>
+          <p:cNvPicPr>
+            <a:picLocks noChangeAspect="1"/>
+          </p:cNvPicPr>
+          <p:nvPr/>
+        </p:nvPicPr>
+        <p:blipFill>
+          <a:blip r:embed="rId2"/>
+          <a:stretch>
+            <a:fillRect/>
+          </a:stretch>
+        </p:blipFill>
+        <p:spPr>
+          <a:xfrm>
+            <a:off x="2889398" y="2473072"/>
+            <a:ext cx="5363882" cy="3481366"/>
+          </a:xfrm>
+          <a:prstGeom prst="rect">
+            <a:avLst/>
+          </a:prstGeom>
+        </p:spPr>
+      </p:pic>
+    </p:spTree>
+    <p:extLst>
+      <p:ext uri="{BB962C8B-B14F-4D97-AF65-F5344CB8AC3E}">
+        <p14:creationId xmlns:p14="http://schemas.microsoft.com/office/powerpoint/2010/main" val="441072773"/>
+      </p:ext>
+    </p:extLst>
+  </p:cSld>
+  <p:clrMapOvr>
+    <a:masterClrMapping/>
+  </p:clrMapOvr>
+</p:sld>
+</file>
+
+<file path=ppt/slides/slide8.xml><?xml version="1.0" encoding="utf-8"?>
+<p:sld xmlns:a="http://schemas.openxmlformats.org/drawingml/2006/main" xmlns:r="http://schemas.openxmlformats.org/officeDocument/2006/relationships" xmlns:p="http://schemas.openxmlformats.org/presentationml/2006/main">
+  <p:cSld>
+    <p:bg>
+      <p:bgPr>
+        <a:solidFill>
+          <a:schemeClr val="bg1"/>
+        </a:solidFill>
+        <a:effectLst/>
+      </p:bgPr>
+    </p:bg>
+    <p:spTree>
+      <p:nvGrpSpPr>
+        <p:cNvPr id="1" name="">
+          <a:extLst>
+            <a:ext uri="{FF2B5EF4-FFF2-40B4-BE49-F238E27FC236}">
+              <a16:creationId xmlns:a16="http://schemas.microsoft.com/office/drawing/2014/main" id="{2175B671-E098-AEF2-D68F-9AA52A7CD3F6}"/>
+            </a:ext>
+          </a:extLst>
+        </p:cNvPr>
+        <p:cNvGrpSpPr/>
+        <p:nvPr/>
+      </p:nvGrpSpPr>
+      <p:grpSpPr>
+        <a:xfrm>
+          <a:off x="0" y="0"/>
+          <a:ext cx="0" cy="0"/>
+          <a:chOff x="0" y="0"/>
+          <a:chExt cx="0" cy="0"/>
+        </a:xfrm>
+      </p:grpSpPr>
+      <p:sp useBgFill="1">
+        <p:nvSpPr>
+          <p:cNvPr id="8" name="Rectangle 7">
+            <a:extLst>
+              <a:ext uri="{FF2B5EF4-FFF2-40B4-BE49-F238E27FC236}">
+                <a16:creationId xmlns:a16="http://schemas.microsoft.com/office/drawing/2014/main" id="{FCB72465-3C16-BE89-CCCC-33EE3B7EFB69}"/>
+              </a:ext>
+              <a:ext uri="{C183D7F6-B498-43B3-948B-1728B52AA6E4}">
+                <adec:decorative xmlns:adec="http://schemas.microsoft.com/office/drawing/2017/decorative" val="1"/>
+              </a:ext>
+            </a:extLst>
+          </p:cNvPr>
+          <p:cNvSpPr>
+            <a:spLocks noGrp="1" noRot="1" noChangeAspect="1" noMove="1" noResize="1" noEditPoints="1" noAdjustHandles="1" noChangeArrowheads="1" noChangeShapeType="1" noTextEdit="1"/>
+          </p:cNvSpPr>
+          <p:nvPr>
+            <p:extLst>
+              <p:ext uri="{386F3935-93C4-4BCD-93E2-E3B085C9AB24}">
+                <p16:designElem xmlns:p16="http://schemas.microsoft.com/office/powerpoint/2015/main" val="1"/>
+              </p:ext>
+            </p:extLst>
+          </p:nvPr>
+        </p:nvSpPr>
+        <p:spPr>
+          <a:xfrm>
+            <a:off x="0" y="0"/>
+            <a:ext cx="12192000" cy="6858000"/>
+          </a:xfrm>
+          <a:prstGeom prst="rect">
+            <a:avLst/>
+          </a:prstGeom>
+          <a:ln>
+            <a:noFill/>
+          </a:ln>
+        </p:spPr>
+        <p:style>
+          <a:lnRef idx="2">
+            <a:schemeClr val="accent1">
+              <a:shade val="50000"/>
+            </a:schemeClr>
+          </a:lnRef>
+          <a:fillRef idx="1">
+            <a:schemeClr val="accent1"/>
+          </a:fillRef>
+          <a:effectRef idx="0">
+            <a:schemeClr val="accent1"/>
+          </a:effectRef>
+          <a:fontRef idx="minor">
+            <a:schemeClr val="lt1"/>
+          </a:fontRef>
+        </p:style>
+        <p:txBody>
+          <a:bodyPr rtlCol="0" anchor="ctr"/>
+          <a:lstStyle/>
+          <a:p>
+            <a:pPr algn="ctr"/>
+            <a:endParaRPr lang="en-US"/>
+          </a:p>
+        </p:txBody>
+      </p:sp>
+      <p:sp>
+        <p:nvSpPr>
+          <p:cNvPr id="10" name="Right Triangle 9">
+            <a:extLst>
+              <a:ext uri="{FF2B5EF4-FFF2-40B4-BE49-F238E27FC236}">
+                <a16:creationId xmlns:a16="http://schemas.microsoft.com/office/drawing/2014/main" id="{E4AFB50D-30B7-1EC7-C699-E7CD8DC3FA6C}"/>
+              </a:ext>
+              <a:ext uri="{C183D7F6-B498-43B3-948B-1728B52AA6E4}">
+                <adec:decorative xmlns:adec="http://schemas.microsoft.com/office/drawing/2017/decorative" val="1"/>
+              </a:ext>
+            </a:extLst>
+          </p:cNvPr>
+          <p:cNvSpPr>
+            <a:spLocks noGrp="1" noRot="1" noChangeAspect="1" noMove="1" noResize="1" noEditPoints="1" noAdjustHandles="1" noChangeArrowheads="1" noChangeShapeType="1" noTextEdit="1"/>
+          </p:cNvSpPr>
+          <p:nvPr>
+            <p:extLst>
+              <p:ext uri="{386F3935-93C4-4BCD-93E2-E3B085C9AB24}">
+                <p16:designElem xmlns:p16="http://schemas.microsoft.com/office/powerpoint/2015/main" val="1"/>
+              </p:ext>
+            </p:extLst>
+          </p:nvPr>
+        </p:nvSpPr>
+        <p:spPr>
+          <a:xfrm flipH="1">
+            <a:off x="8576720" y="3335867"/>
+            <a:ext cx="3291840" cy="3200400"/>
+          </a:xfrm>
+          <a:prstGeom prst="rtTriangle">
+            <a:avLst/>
+          </a:prstGeom>
+          <a:solidFill>
+            <a:schemeClr val="accent4"/>
+          </a:solidFill>
+          <a:ln>
+            <a:noFill/>
+          </a:ln>
+        </p:spPr>
+        <p:style>
+          <a:lnRef idx="2">
+            <a:schemeClr val="accent1">
+              <a:shade val="50000"/>
+            </a:schemeClr>
+          </a:lnRef>
+          <a:fillRef idx="1">
+            <a:schemeClr val="accent1"/>
+          </a:fillRef>
+          <a:effectRef idx="0">
+            <a:schemeClr val="accent1"/>
+          </a:effectRef>
+          <a:fontRef idx="minor">
+            <a:schemeClr val="lt1"/>
+          </a:fontRef>
+        </p:style>
+        <p:txBody>
+          <a:bodyPr rtlCol="0" anchor="ctr"/>
+          <a:lstStyle/>
+          <a:p>
+            <a:pPr algn="ctr"/>
+            <a:endParaRPr lang="en-US" dirty="0"/>
+          </a:p>
+        </p:txBody>
+      </p:sp>
+      <p:sp>
+        <p:nvSpPr>
+          <p:cNvPr id="12" name="Rectangle 11">
+            <a:extLst>
+              <a:ext uri="{FF2B5EF4-FFF2-40B4-BE49-F238E27FC236}">
+                <a16:creationId xmlns:a16="http://schemas.microsoft.com/office/drawing/2014/main" id="{C96EF4E4-3A73-067C-8783-6098C9724CFA}"/>
+              </a:ext>
+              <a:ext uri="{C183D7F6-B498-43B3-948B-1728B52AA6E4}">
+                <adec:decorative xmlns:adec="http://schemas.microsoft.com/office/drawing/2017/decorative" val="1"/>
+              </a:ext>
+            </a:extLst>
+          </p:cNvPr>
+          <p:cNvSpPr>
+            <a:spLocks noGrp="1" noRot="1" noChangeAspect="1" noMove="1" noResize="1" noEditPoints="1" noAdjustHandles="1" noChangeArrowheads="1" noChangeShapeType="1" noTextEdit="1"/>
+          </p:cNvSpPr>
+          <p:nvPr>
+            <p:extLst>
+              <p:ext uri="{386F3935-93C4-4BCD-93E2-E3B085C9AB24}">
+                <p16:designElem xmlns:p16="http://schemas.microsoft.com/office/powerpoint/2015/main" val="1"/>
+              </p:ext>
+            </p:extLst>
+          </p:nvPr>
+        </p:nvSpPr>
+        <p:spPr>
+          <a:xfrm>
+            <a:off x="641774" y="623275"/>
+            <a:ext cx="10905053" cy="5607882"/>
+          </a:xfrm>
+          <a:prstGeom prst="rect">
+            <a:avLst/>
+          </a:prstGeom>
+          <a:noFill/>
+          <a:ln w="19050">
+            <a:solidFill>
+              <a:schemeClr val="tx1">
+                <a:lumMod val="75000"/>
+                <a:lumOff val="25000"/>
+              </a:schemeClr>
+            </a:solidFill>
+          </a:ln>
+        </p:spPr>
+        <p:style>
+          <a:lnRef idx="2">
+            <a:schemeClr val="accent1">
+              <a:shade val="50000"/>
+            </a:schemeClr>
+          </a:lnRef>
+          <a:fillRef idx="1">
+            <a:schemeClr val="accent1"/>
+          </a:fillRef>
+          <a:effectRef idx="0">
+            <a:schemeClr val="accent1"/>
+          </a:effectRef>
+          <a:fontRef idx="minor">
+            <a:schemeClr val="lt1"/>
+          </a:fontRef>
+        </p:style>
+        <p:txBody>
+          <a:bodyPr rtlCol="0" anchor="ctr"/>
+          <a:lstStyle/>
+          <a:p>
+            <a:pPr algn="ctr"/>
+            <a:endParaRPr lang="en-US"/>
+          </a:p>
+        </p:txBody>
+      </p:sp>
+      <p:sp>
+        <p:nvSpPr>
+          <p:cNvPr id="4" name="Marcador de contenido 3">
+            <a:extLst>
+              <a:ext uri="{FF2B5EF4-FFF2-40B4-BE49-F238E27FC236}">
+                <a16:creationId xmlns:a16="http://schemas.microsoft.com/office/drawing/2014/main" id="{D5A4A2E2-5EDA-3C1D-D335-3A7B64470CFC}"/>
+              </a:ext>
+            </a:extLst>
+          </p:cNvPr>
+          <p:cNvSpPr>
+            <a:spLocks noGrp="1"/>
+          </p:cNvSpPr>
+          <p:nvPr>
+            <p:ph idx="1"/>
+          </p:nvPr>
+        </p:nvSpPr>
+        <p:spPr>
+          <a:xfrm>
+            <a:off x="836500" y="838465"/>
+            <a:ext cx="10515600" cy="2711559"/>
+          </a:xfrm>
+        </p:spPr>
+        <p:txBody>
+          <a:bodyPr>
+            <a:normAutofit/>
+          </a:bodyPr>
+          <a:lstStyle/>
+          <a:p>
+            <a:r>
+              <a:rPr lang="es-ES" b="1" dirty="0"/>
+              <a:t>Producto:</a:t>
+            </a:r>
+          </a:p>
+          <a:p>
+            <a:pPr lvl="1"/>
+            <a:r>
+              <a:rPr lang="es-ES" b="1" dirty="0"/>
+              <a:t>Marca</a:t>
+            </a:r>
+            <a:r>
+              <a:rPr lang="es-ES" dirty="0"/>
+              <a:t>: “SBS”: Soluciones de </a:t>
+            </a:r>
+            <a:r>
+              <a:rPr lang="es-ES" dirty="0" err="1"/>
+              <a:t>BackUp</a:t>
+            </a:r>
+            <a:r>
+              <a:rPr lang="es-ES" dirty="0"/>
+              <a:t> Suarez.</a:t>
+            </a:r>
+          </a:p>
+          <a:p>
+            <a:pPr lvl="1"/>
+            <a:r>
+              <a:rPr lang="es-ES" b="1" dirty="0"/>
+              <a:t>Servicios</a:t>
+            </a:r>
+            <a:r>
+              <a:rPr lang="es-ES" dirty="0"/>
+              <a:t>: en la nube, </a:t>
+            </a:r>
+            <a:r>
+              <a:rPr lang="es-ES" dirty="0" err="1"/>
+              <a:t>on</a:t>
+            </a:r>
+            <a:r>
+              <a:rPr lang="es-ES" dirty="0"/>
+              <a:t>-site e híbrida.</a:t>
+            </a:r>
+          </a:p>
+          <a:p>
+            <a:pPr lvl="1"/>
+            <a:r>
+              <a:rPr lang="es-ES" b="1" dirty="0"/>
+              <a:t>Añadidos</a:t>
+            </a:r>
+            <a:r>
+              <a:rPr lang="es-ES" dirty="0"/>
+              <a:t>:</a:t>
+            </a:r>
+          </a:p>
+          <a:p>
+            <a:pPr lvl="2"/>
+            <a:r>
+              <a:rPr lang="es-ES" dirty="0"/>
+              <a:t>Servicio de encriptación.</a:t>
+            </a:r>
+          </a:p>
+          <a:p>
+            <a:pPr lvl="2"/>
+            <a:r>
+              <a:rPr lang="es-ES" dirty="0"/>
+              <a:t>Servicio de asesoría LOPD.</a:t>
+            </a:r>
+          </a:p>
+          <a:p>
+            <a:pPr lvl="2"/>
+            <a:r>
+              <a:rPr lang="es-ES" dirty="0"/>
+              <a:t>Cursos para el uso y mantenimiento de los servicios.</a:t>
+            </a:r>
+          </a:p>
+        </p:txBody>
+      </p:sp>
+      <p:sp>
+        <p:nvSpPr>
+          <p:cNvPr id="9" name="Marcador de contenido 3">
+            <a:extLst>
+              <a:ext uri="{FF2B5EF4-FFF2-40B4-BE49-F238E27FC236}">
+                <a16:creationId xmlns:a16="http://schemas.microsoft.com/office/drawing/2014/main" id="{EB292999-4729-C535-2E81-0295B38CBA65}"/>
+              </a:ext>
+            </a:extLst>
+          </p:cNvPr>
+          <p:cNvSpPr txBox="1">
+            <a:spLocks/>
+          </p:cNvSpPr>
+          <p:nvPr/>
+        </p:nvSpPr>
+        <p:spPr>
+          <a:xfrm>
+            <a:off x="710994" y="3427216"/>
+            <a:ext cx="10515600" cy="2711559"/>
+          </a:xfrm>
+          <a:prstGeom prst="rect">
+            <a:avLst/>
+          </a:prstGeom>
+        </p:spPr>
+        <p:txBody>
+          <a:bodyPr vert="horz" lIns="91440" tIns="45720" rIns="91440" bIns="45720" rtlCol="0">
+            <a:normAutofit/>
+          </a:bodyPr>
+          <a:lstStyle>
+            <a:lvl1pPr marL="228600" indent="-228600" algn="l" defTabSz="914400" rtl="0" eaLnBrk="1" latinLnBrk="0" hangingPunct="1">
+              <a:lnSpc>
+                <a:spcPct val="90000"/>
+              </a:lnSpc>
+              <a:spcBef>
+                <a:spcPts val="1000"/>
+              </a:spcBef>
+              <a:buFont typeface="Arial" panose="020B0604020202020204" pitchFamily="34" charset="0"/>
+              <a:buChar char="•"/>
+              <a:defRPr sz="2800" kern="1200">
+                <a:solidFill>
+                  <a:schemeClr val="tx1"/>
+                </a:solidFill>
+                <a:latin typeface="+mn-lt"/>
+                <a:ea typeface="+mn-ea"/>
+                <a:cs typeface="+mn-cs"/>
+              </a:defRPr>
+            </a:lvl1pPr>
+            <a:lvl2pPr marL="685800" indent="-228600" algn="l" defTabSz="914400" rtl="0" eaLnBrk="1" latinLnBrk="0" hangingPunct="1">
+              <a:lnSpc>
+                <a:spcPct val="90000"/>
+              </a:lnSpc>
+              <a:spcBef>
+                <a:spcPts val="500"/>
+              </a:spcBef>
+              <a:buFont typeface="Arial" panose="020B0604020202020204" pitchFamily="34" charset="0"/>
+              <a:buChar char="•"/>
+              <a:defRPr sz="2400" kern="1200">
+                <a:solidFill>
+                  <a:schemeClr val="tx1"/>
+                </a:solidFill>
+                <a:latin typeface="+mn-lt"/>
+                <a:ea typeface="+mn-ea"/>
+                <a:cs typeface="+mn-cs"/>
+              </a:defRPr>
+            </a:lvl2pPr>
+            <a:lvl3pPr marL="1143000" indent="-228600" algn="l" defTabSz="914400" rtl="0" eaLnBrk="1" latinLnBrk="0" hangingPunct="1">
+              <a:lnSpc>
+                <a:spcPct val="90000"/>
+              </a:lnSpc>
+              <a:spcBef>
+                <a:spcPts val="500"/>
+              </a:spcBef>
+              <a:buFont typeface="Arial" panose="020B0604020202020204" pitchFamily="34" charset="0"/>
+              <a:buChar char="•"/>
+              <a:defRPr sz="2000" kern="1200">
+                <a:solidFill>
+                  <a:schemeClr val="tx1"/>
+                </a:solidFill>
+                <a:latin typeface="+mn-lt"/>
+                <a:ea typeface="+mn-ea"/>
+                <a:cs typeface="+mn-cs"/>
+              </a:defRPr>
+            </a:lvl3pPr>
+            <a:lvl4pPr marL="1600200" indent="-228600" algn="l" defTabSz="914400" rtl="0" eaLnBrk="1" latinLnBrk="0" hangingPunct="1">
+              <a:lnSpc>
+                <a:spcPct val="90000"/>
+              </a:lnSpc>
+              <a:spcBef>
+                <a:spcPts val="500"/>
+              </a:spcBef>
+              <a:buFont typeface="Arial" panose="020B0604020202020204" pitchFamily="34" charset="0"/>
+              <a:buChar char="•"/>
+              <a:defRPr sz="1800" kern="1200">
+                <a:solidFill>
+                  <a:schemeClr val="tx1"/>
+                </a:solidFill>
+                <a:latin typeface="+mn-lt"/>
+                <a:ea typeface="+mn-ea"/>
+                <a:cs typeface="+mn-cs"/>
+              </a:defRPr>
+            </a:lvl4pPr>
+            <a:lvl5pPr marL="2057400" indent="-228600" algn="l" defTabSz="914400" rtl="0" eaLnBrk="1" latinLnBrk="0" hangingPunct="1">
+              <a:lnSpc>
+                <a:spcPct val="90000"/>
+              </a:lnSpc>
+              <a:spcBef>
+                <a:spcPts val="500"/>
+              </a:spcBef>
+              <a:buFont typeface="Arial" panose="020B0604020202020204" pitchFamily="34" charset="0"/>
+              <a:buChar char="•"/>
+              <a:defRPr sz="1800" kern="1200">
+                <a:solidFill>
+                  <a:schemeClr val="tx1"/>
+                </a:solidFill>
+                <a:latin typeface="+mn-lt"/>
+                <a:ea typeface="+mn-ea"/>
+                <a:cs typeface="+mn-cs"/>
+              </a:defRPr>
+            </a:lvl5pPr>
+            <a:lvl6pPr marL="2514600" indent="-228600" algn="l" defTabSz="914400" rtl="0" eaLnBrk="1" latinLnBrk="0" hangingPunct="1">
+              <a:lnSpc>
+                <a:spcPct val="90000"/>
+              </a:lnSpc>
+              <a:spcBef>
+                <a:spcPts val="500"/>
+              </a:spcBef>
+              <a:buFont typeface="Arial" panose="020B0604020202020204" pitchFamily="34" charset="0"/>
+              <a:buChar char="•"/>
+              <a:defRPr sz="1800" kern="1200">
+                <a:solidFill>
+                  <a:schemeClr val="tx1"/>
+                </a:solidFill>
+                <a:latin typeface="+mn-lt"/>
+                <a:ea typeface="+mn-ea"/>
+                <a:cs typeface="+mn-cs"/>
+              </a:defRPr>
+            </a:lvl6pPr>
+            <a:lvl7pPr marL="2971800" indent="-228600" algn="l" defTabSz="914400" rtl="0" eaLnBrk="1" latinLnBrk="0" hangingPunct="1">
+              <a:lnSpc>
+                <a:spcPct val="90000"/>
+              </a:lnSpc>
+              <a:spcBef>
+                <a:spcPts val="500"/>
+              </a:spcBef>
+              <a:buFont typeface="Arial" panose="020B0604020202020204" pitchFamily="34" charset="0"/>
+              <a:buChar char="•"/>
+              <a:defRPr sz="1800" kern="1200">
+                <a:solidFill>
+                  <a:schemeClr val="tx1"/>
+                </a:solidFill>
+                <a:latin typeface="+mn-lt"/>
+                <a:ea typeface="+mn-ea"/>
+                <a:cs typeface="+mn-cs"/>
+              </a:defRPr>
+            </a:lvl7pPr>
+            <a:lvl8pPr marL="3429000" indent="-228600" algn="l" defTabSz="914400" rtl="0" eaLnBrk="1" latinLnBrk="0" hangingPunct="1">
+              <a:lnSpc>
+                <a:spcPct val="90000"/>
+              </a:lnSpc>
+              <a:spcBef>
+                <a:spcPts val="500"/>
+              </a:spcBef>
+              <a:buFont typeface="Arial" panose="020B0604020202020204" pitchFamily="34" charset="0"/>
+              <a:buChar char="•"/>
+              <a:defRPr sz="1800" kern="1200">
+                <a:solidFill>
+                  <a:schemeClr val="tx1"/>
+                </a:solidFill>
+                <a:latin typeface="+mn-lt"/>
+                <a:ea typeface="+mn-ea"/>
+                <a:cs typeface="+mn-cs"/>
+              </a:defRPr>
+            </a:lvl8pPr>
+            <a:lvl9pPr marL="3886200" indent="-228600" algn="l" defTabSz="914400" rtl="0" eaLnBrk="1" latinLnBrk="0" hangingPunct="1">
+              <a:lnSpc>
+                <a:spcPct val="90000"/>
+              </a:lnSpc>
+              <a:spcBef>
+                <a:spcPts val="500"/>
+              </a:spcBef>
+              <a:buFont typeface="Arial" panose="020B0604020202020204" pitchFamily="34" charset="0"/>
+              <a:buChar char="•"/>
+              <a:defRPr sz="1800" kern="1200">
+                <a:solidFill>
+                  <a:schemeClr val="tx1"/>
+                </a:solidFill>
+                <a:latin typeface="+mn-lt"/>
+                <a:ea typeface="+mn-ea"/>
+                <a:cs typeface="+mn-cs"/>
+              </a:defRPr>
+            </a:lvl9pPr>
+          </a:lstStyle>
+          <a:p>
+            <a:pPr lvl="1"/>
+            <a:r>
+              <a:rPr lang="es-ES" b="1" dirty="0"/>
+              <a:t>Ampliado</a:t>
+            </a:r>
+            <a:r>
+              <a:rPr lang="es-ES" dirty="0"/>
+              <a:t>:</a:t>
+            </a:r>
+          </a:p>
+          <a:p>
+            <a:pPr lvl="2"/>
+            <a:r>
+              <a:rPr lang="es-ES" dirty="0"/>
+              <a:t>Garantía 2 años.</a:t>
+            </a:r>
+          </a:p>
+          <a:p>
+            <a:pPr lvl="2"/>
+            <a:r>
+              <a:rPr lang="es-ES" dirty="0"/>
+              <a:t>Soporte técnico (1 año gratis).</a:t>
+            </a:r>
+          </a:p>
+          <a:p>
+            <a:pPr lvl="2"/>
+            <a:r>
+              <a:rPr lang="es-ES" dirty="0"/>
+              <a:t>Financiación a plazos.</a:t>
+            </a:r>
+          </a:p>
+        </p:txBody>
+      </p:sp>
+      <p:pic>
+        <p:nvPicPr>
+          <p:cNvPr id="13" name="Imagen 12" descr="Dibujo en blanco y negro&#10;&#10;El contenido generado por IA puede ser incorrecto.">
+            <a:extLst>
+              <a:ext uri="{FF2B5EF4-FFF2-40B4-BE49-F238E27FC236}">
+                <a16:creationId xmlns:a16="http://schemas.microsoft.com/office/drawing/2014/main" id="{4B581BD4-7EBC-BBA9-B3C3-E86020D08917}"/>
+              </a:ext>
+            </a:extLst>
+          </p:cNvPr>
+          <p:cNvPicPr>
+            <a:picLocks noChangeAspect="1"/>
+          </p:cNvPicPr>
+          <p:nvPr/>
+        </p:nvPicPr>
+        <p:blipFill>
+          <a:blip r:embed="rId2"/>
+          <a:stretch>
+            <a:fillRect/>
+          </a:stretch>
+        </p:blipFill>
+        <p:spPr>
+          <a:xfrm>
+            <a:off x="9004393" y="973380"/>
+            <a:ext cx="1523303" cy="2558715"/>
+          </a:xfrm>
+          <a:prstGeom prst="rect">
+            <a:avLst/>
+          </a:prstGeom>
+        </p:spPr>
+      </p:pic>
+    </p:spTree>
+    <p:extLst>
+      <p:ext uri="{BB962C8B-B14F-4D97-AF65-F5344CB8AC3E}">
+        <p14:creationId xmlns:p14="http://schemas.microsoft.com/office/powerpoint/2010/main" val="935440077"/>
+      </p:ext>
+    </p:extLst>
+  </p:cSld>
+  <p:clrMapOvr>
+    <a:masterClrMapping/>
+  </p:clrMapOvr>
+</p:sld>
+</file>
+
+<file path=ppt/slides/slide9.xml><?xml version="1.0" encoding="utf-8"?>
+<p:sld xmlns:a="http://schemas.openxmlformats.org/drawingml/2006/main" xmlns:r="http://schemas.openxmlformats.org/officeDocument/2006/relationships" xmlns:p="http://schemas.openxmlformats.org/presentationml/2006/main">
+  <p:cSld>
+    <p:bg>
+      <p:bgPr>
+        <a:solidFill>
+          <a:schemeClr val="bg1"/>
+        </a:solidFill>
+        <a:effectLst/>
+      </p:bgPr>
+    </p:bg>
+    <p:spTree>
+      <p:nvGrpSpPr>
+        <p:cNvPr id="1" name="">
+          <a:extLst>
+            <a:ext uri="{FF2B5EF4-FFF2-40B4-BE49-F238E27FC236}">
+              <a16:creationId xmlns:a16="http://schemas.microsoft.com/office/drawing/2014/main" id="{65B754BD-AABD-7A66-90C2-38F5DEB80541}"/>
+            </a:ext>
+          </a:extLst>
+        </p:cNvPr>
+        <p:cNvGrpSpPr/>
+        <p:nvPr/>
+      </p:nvGrpSpPr>
+      <p:grpSpPr>
+        <a:xfrm>
+          <a:off x="0" y="0"/>
+          <a:ext cx="0" cy="0"/>
+          <a:chOff x="0" y="0"/>
+          <a:chExt cx="0" cy="0"/>
+        </a:xfrm>
+      </p:grpSpPr>
+      <p:sp useBgFill="1">
+        <p:nvSpPr>
+          <p:cNvPr id="8" name="Rectangle 7">
+            <a:extLst>
+              <a:ext uri="{FF2B5EF4-FFF2-40B4-BE49-F238E27FC236}">
+                <a16:creationId xmlns:a16="http://schemas.microsoft.com/office/drawing/2014/main" id="{922600A5-B485-C6AF-0113-E4CA6086E067}"/>
+              </a:ext>
+              <a:ext uri="{C183D7F6-B498-43B3-948B-1728B52AA6E4}">
+                <adec:decorative xmlns:adec="http://schemas.microsoft.com/office/drawing/2017/decorative" val="1"/>
+              </a:ext>
+            </a:extLst>
+          </p:cNvPr>
+          <p:cNvSpPr>
+            <a:spLocks noGrp="1" noRot="1" noChangeAspect="1" noMove="1" noResize="1" noEditPoints="1" noAdjustHandles="1" noChangeArrowheads="1" noChangeShapeType="1" noTextEdit="1"/>
+          </p:cNvSpPr>
+          <p:nvPr>
+            <p:extLst>
+              <p:ext uri="{386F3935-93C4-4BCD-93E2-E3B085C9AB24}">
+                <p16:designElem xmlns:p16="http://schemas.microsoft.com/office/powerpoint/2015/main" val="1"/>
+              </p:ext>
+            </p:extLst>
+          </p:nvPr>
+        </p:nvSpPr>
+        <p:spPr>
+          <a:xfrm>
+            <a:off x="0" y="0"/>
+            <a:ext cx="12192000" cy="6858000"/>
+          </a:xfrm>
+          <a:prstGeom prst="rect">
+            <a:avLst/>
+          </a:prstGeom>
+          <a:ln>
+            <a:noFill/>
+          </a:ln>
+        </p:spPr>
+        <p:style>
+          <a:lnRef idx="2">
+            <a:schemeClr val="accent1">
+              <a:shade val="50000"/>
+            </a:schemeClr>
+          </a:lnRef>
+          <a:fillRef idx="1">
+            <a:schemeClr val="accent1"/>
+          </a:fillRef>
+          <a:effectRef idx="0">
+            <a:schemeClr val="accent1"/>
+          </a:effectRef>
+          <a:fontRef idx="minor">
+            <a:schemeClr val="lt1"/>
+          </a:fontRef>
+        </p:style>
+        <p:txBody>
+          <a:bodyPr rtlCol="0" anchor="ctr"/>
+          <a:lstStyle/>
+          <a:p>
+            <a:pPr algn="ctr"/>
+            <a:endParaRPr lang="en-US"/>
+          </a:p>
+        </p:txBody>
+      </p:sp>
+      <p:sp>
+        <p:nvSpPr>
+          <p:cNvPr id="10" name="Right Triangle 9">
+            <a:extLst>
+              <a:ext uri="{FF2B5EF4-FFF2-40B4-BE49-F238E27FC236}">
+                <a16:creationId xmlns:a16="http://schemas.microsoft.com/office/drawing/2014/main" id="{5884418E-7796-2631-3443-D167DE9C619D}"/>
+              </a:ext>
+              <a:ext uri="{C183D7F6-B498-43B3-948B-1728B52AA6E4}">
+                <adec:decorative xmlns:adec="http://schemas.microsoft.com/office/drawing/2017/decorative" val="1"/>
+              </a:ext>
+            </a:extLst>
+          </p:cNvPr>
+          <p:cNvSpPr>
+            <a:spLocks noGrp="1" noRot="1" noChangeAspect="1" noMove="1" noResize="1" noEditPoints="1" noAdjustHandles="1" noChangeArrowheads="1" noChangeShapeType="1" noTextEdit="1"/>
+          </p:cNvSpPr>
+          <p:nvPr>
+            <p:extLst>
+              <p:ext uri="{386F3935-93C4-4BCD-93E2-E3B085C9AB24}">
+                <p16:designElem xmlns:p16="http://schemas.microsoft.com/office/powerpoint/2015/main" val="1"/>
+              </p:ext>
+            </p:extLst>
+          </p:nvPr>
+        </p:nvSpPr>
+        <p:spPr>
+          <a:xfrm flipH="1">
+            <a:off x="8576720" y="3335867"/>
+            <a:ext cx="3291840" cy="3200400"/>
+          </a:xfrm>
+          <a:prstGeom prst="rtTriangle">
+            <a:avLst/>
+          </a:prstGeom>
+          <a:solidFill>
+            <a:schemeClr val="accent4"/>
+          </a:solidFill>
+          <a:ln>
+            <a:noFill/>
+          </a:ln>
+        </p:spPr>
+        <p:style>
+          <a:lnRef idx="2">
+            <a:schemeClr val="accent1">
+              <a:shade val="50000"/>
+            </a:schemeClr>
+          </a:lnRef>
+          <a:fillRef idx="1">
+            <a:schemeClr val="accent1"/>
+          </a:fillRef>
+          <a:effectRef idx="0">
+            <a:schemeClr val="accent1"/>
+          </a:effectRef>
+          <a:fontRef idx="minor">
+            <a:schemeClr val="lt1"/>
+          </a:fontRef>
+        </p:style>
+        <p:txBody>
+          <a:bodyPr rtlCol="0" anchor="ctr"/>
+          <a:lstStyle/>
+          <a:p>
+            <a:pPr algn="ctr"/>
+            <a:endParaRPr lang="en-US" dirty="0"/>
+          </a:p>
+        </p:txBody>
+      </p:sp>
+      <p:sp>
+        <p:nvSpPr>
+          <p:cNvPr id="12" name="Rectangle 11">
+            <a:extLst>
+              <a:ext uri="{FF2B5EF4-FFF2-40B4-BE49-F238E27FC236}">
+                <a16:creationId xmlns:a16="http://schemas.microsoft.com/office/drawing/2014/main" id="{040106DD-02FA-32A5-291A-91B53F75EE8E}"/>
+              </a:ext>
+              <a:ext uri="{C183D7F6-B498-43B3-948B-1728B52AA6E4}">
+                <adec:decorative xmlns:adec="http://schemas.microsoft.com/office/drawing/2017/decorative" val="1"/>
+              </a:ext>
+            </a:extLst>
+          </p:cNvPr>
+          <p:cNvSpPr>
+            <a:spLocks noGrp="1" noRot="1" noChangeAspect="1" noMove="1" noResize="1" noEditPoints="1" noAdjustHandles="1" noChangeArrowheads="1" noChangeShapeType="1" noTextEdit="1"/>
+          </p:cNvSpPr>
+          <p:nvPr>
+            <p:extLst>
+              <p:ext uri="{386F3935-93C4-4BCD-93E2-E3B085C9AB24}">
+                <p16:designElem xmlns:p16="http://schemas.microsoft.com/office/powerpoint/2015/main" val="1"/>
+              </p:ext>
+            </p:extLst>
+          </p:nvPr>
+        </p:nvSpPr>
+        <p:spPr>
+          <a:xfrm>
+            <a:off x="641774" y="623275"/>
+            <a:ext cx="10905053" cy="5607882"/>
+          </a:xfrm>
+          <a:prstGeom prst="rect">
+            <a:avLst/>
+          </a:prstGeom>
+          <a:noFill/>
+          <a:ln w="19050">
+            <a:solidFill>
+              <a:schemeClr val="tx1">
+                <a:lumMod val="75000"/>
+                <a:lumOff val="25000"/>
+              </a:schemeClr>
+            </a:solidFill>
+          </a:ln>
+        </p:spPr>
+        <p:style>
+          <a:lnRef idx="2">
+            <a:schemeClr val="accent1">
+              <a:shade val="50000"/>
+            </a:schemeClr>
+          </a:lnRef>
+          <a:fillRef idx="1">
+            <a:schemeClr val="accent1"/>
+          </a:fillRef>
+          <a:effectRef idx="0">
+            <a:schemeClr val="accent1"/>
+          </a:effectRef>
+          <a:fontRef idx="minor">
+            <a:schemeClr val="lt1"/>
+          </a:fontRef>
+        </p:style>
+        <p:txBody>
+          <a:bodyPr rtlCol="0" anchor="ctr"/>
+          <a:lstStyle/>
+          <a:p>
+            <a:pPr algn="ctr"/>
+            <a:endParaRPr lang="en-US"/>
+          </a:p>
+        </p:txBody>
+      </p:sp>
+      <p:sp>
+        <p:nvSpPr>
+          <p:cNvPr id="4" name="Marcador de contenido 3">
+            <a:extLst>
+              <a:ext uri="{FF2B5EF4-FFF2-40B4-BE49-F238E27FC236}">
+                <a16:creationId xmlns:a16="http://schemas.microsoft.com/office/drawing/2014/main" id="{00F32F5F-8F24-78D5-9D38-2AFFE67DE661}"/>
+              </a:ext>
+            </a:extLst>
+          </p:cNvPr>
+          <p:cNvSpPr>
+            <a:spLocks noGrp="1"/>
+          </p:cNvSpPr>
+          <p:nvPr>
+            <p:ph idx="1"/>
+          </p:nvPr>
+        </p:nvSpPr>
+        <p:spPr>
+          <a:xfrm>
+            <a:off x="836500" y="838466"/>
+            <a:ext cx="10515600" cy="927582"/>
+          </a:xfrm>
+        </p:spPr>
+        <p:txBody>
+          <a:bodyPr>
+            <a:normAutofit/>
+          </a:bodyPr>
+          <a:lstStyle/>
+          <a:p>
+            <a:r>
+              <a:rPr lang="es-ES" b="1" dirty="0"/>
+              <a:t>Fase de vida del producto:</a:t>
+            </a:r>
+          </a:p>
+          <a:p>
+            <a:pPr lvl="1"/>
+            <a:r>
+              <a:rPr lang="es-ES" b="1" dirty="0"/>
+              <a:t>Maduro</a:t>
+            </a:r>
+            <a:r>
+              <a:rPr lang="es-ES" dirty="0"/>
+              <a:t>: Es un producto vaca.</a:t>
+            </a:r>
+          </a:p>
+        </p:txBody>
+      </p:sp>
+      <p:sp>
+        <p:nvSpPr>
+          <p:cNvPr id="5" name="Marcador de contenido 3">
+            <a:extLst>
+              <a:ext uri="{FF2B5EF4-FFF2-40B4-BE49-F238E27FC236}">
+                <a16:creationId xmlns:a16="http://schemas.microsoft.com/office/drawing/2014/main" id="{D9B7CAAC-E3ED-9972-CDD7-325CD4417B94}"/>
+              </a:ext>
+            </a:extLst>
+          </p:cNvPr>
+          <p:cNvSpPr txBox="1">
+            <a:spLocks/>
+          </p:cNvSpPr>
+          <p:nvPr/>
+        </p:nvSpPr>
+        <p:spPr>
+          <a:xfrm>
+            <a:off x="836500" y="1781440"/>
+            <a:ext cx="10515600" cy="3857359"/>
+          </a:xfrm>
+          <a:prstGeom prst="rect">
+            <a:avLst/>
+          </a:prstGeom>
+        </p:spPr>
+        <p:txBody>
+          <a:bodyPr vert="horz" lIns="91440" tIns="45720" rIns="91440" bIns="45720" rtlCol="0">
+            <a:normAutofit fontScale="92500"/>
+          </a:bodyPr>
+          <a:lstStyle>
+            <a:lvl1pPr marL="228600" indent="-228600" algn="l" defTabSz="914400" rtl="0" eaLnBrk="1" latinLnBrk="0" hangingPunct="1">
+              <a:lnSpc>
+                <a:spcPct val="90000"/>
+              </a:lnSpc>
+              <a:spcBef>
+                <a:spcPts val="1000"/>
+              </a:spcBef>
+              <a:buFont typeface="Arial" panose="020B0604020202020204" pitchFamily="34" charset="0"/>
+              <a:buChar char="•"/>
+              <a:defRPr sz="2800" kern="1200">
+                <a:solidFill>
+                  <a:schemeClr val="tx1"/>
+                </a:solidFill>
+                <a:latin typeface="+mn-lt"/>
+                <a:ea typeface="+mn-ea"/>
+                <a:cs typeface="+mn-cs"/>
+              </a:defRPr>
+            </a:lvl1pPr>
+            <a:lvl2pPr marL="685800" indent="-228600" algn="l" defTabSz="914400" rtl="0" eaLnBrk="1" latinLnBrk="0" hangingPunct="1">
+              <a:lnSpc>
+                <a:spcPct val="90000"/>
+              </a:lnSpc>
+              <a:spcBef>
+                <a:spcPts val="500"/>
+              </a:spcBef>
+              <a:buFont typeface="Arial" panose="020B0604020202020204" pitchFamily="34" charset="0"/>
+              <a:buChar char="•"/>
+              <a:defRPr sz="2400" kern="1200">
+                <a:solidFill>
+                  <a:schemeClr val="tx1"/>
+                </a:solidFill>
+                <a:latin typeface="+mn-lt"/>
+                <a:ea typeface="+mn-ea"/>
+                <a:cs typeface="+mn-cs"/>
+              </a:defRPr>
+            </a:lvl2pPr>
+            <a:lvl3pPr marL="1143000" indent="-228600" algn="l" defTabSz="914400" rtl="0" eaLnBrk="1" latinLnBrk="0" hangingPunct="1">
+              <a:lnSpc>
+                <a:spcPct val="90000"/>
+              </a:lnSpc>
+              <a:spcBef>
+                <a:spcPts val="500"/>
+              </a:spcBef>
+              <a:buFont typeface="Arial" panose="020B0604020202020204" pitchFamily="34" charset="0"/>
+              <a:buChar char="•"/>
+              <a:defRPr sz="2000" kern="1200">
+                <a:solidFill>
+                  <a:schemeClr val="tx1"/>
+                </a:solidFill>
+                <a:latin typeface="+mn-lt"/>
+                <a:ea typeface="+mn-ea"/>
+                <a:cs typeface="+mn-cs"/>
+              </a:defRPr>
+            </a:lvl3pPr>
+            <a:lvl4pPr marL="1600200" indent="-228600" algn="l" defTabSz="914400" rtl="0" eaLnBrk="1" latinLnBrk="0" hangingPunct="1">
+              <a:lnSpc>
+                <a:spcPct val="90000"/>
+              </a:lnSpc>
+              <a:spcBef>
+                <a:spcPts val="500"/>
+              </a:spcBef>
+              <a:buFont typeface="Arial" panose="020B0604020202020204" pitchFamily="34" charset="0"/>
+              <a:buChar char="•"/>
+              <a:defRPr sz="1800" kern="1200">
+                <a:solidFill>
+                  <a:schemeClr val="tx1"/>
+                </a:solidFill>
+                <a:latin typeface="+mn-lt"/>
+                <a:ea typeface="+mn-ea"/>
+                <a:cs typeface="+mn-cs"/>
+              </a:defRPr>
+            </a:lvl4pPr>
+            <a:lvl5pPr marL="2057400" indent="-228600" algn="l" defTabSz="914400" rtl="0" eaLnBrk="1" latinLnBrk="0" hangingPunct="1">
+              <a:lnSpc>
+                <a:spcPct val="90000"/>
+              </a:lnSpc>
+              <a:spcBef>
+                <a:spcPts val="500"/>
+              </a:spcBef>
+              <a:buFont typeface="Arial" panose="020B0604020202020204" pitchFamily="34" charset="0"/>
+              <a:buChar char="•"/>
+              <a:defRPr sz="1800" kern="1200">
+                <a:solidFill>
+                  <a:schemeClr val="tx1"/>
+                </a:solidFill>
+                <a:latin typeface="+mn-lt"/>
+                <a:ea typeface="+mn-ea"/>
+                <a:cs typeface="+mn-cs"/>
+              </a:defRPr>
+            </a:lvl5pPr>
+            <a:lvl6pPr marL="2514600" indent="-228600" algn="l" defTabSz="914400" rtl="0" eaLnBrk="1" latinLnBrk="0" hangingPunct="1">
+              <a:lnSpc>
+                <a:spcPct val="90000"/>
+              </a:lnSpc>
+              <a:spcBef>
+                <a:spcPts val="500"/>
+              </a:spcBef>
+              <a:buFont typeface="Arial" panose="020B0604020202020204" pitchFamily="34" charset="0"/>
+              <a:buChar char="•"/>
+              <a:defRPr sz="1800" kern="1200">
+                <a:solidFill>
+                  <a:schemeClr val="tx1"/>
+                </a:solidFill>
+                <a:latin typeface="+mn-lt"/>
+                <a:ea typeface="+mn-ea"/>
+                <a:cs typeface="+mn-cs"/>
+              </a:defRPr>
+            </a:lvl6pPr>
+            <a:lvl7pPr marL="2971800" indent="-228600" algn="l" defTabSz="914400" rtl="0" eaLnBrk="1" latinLnBrk="0" hangingPunct="1">
+              <a:lnSpc>
+                <a:spcPct val="90000"/>
+              </a:lnSpc>
+              <a:spcBef>
+                <a:spcPts val="500"/>
+              </a:spcBef>
+              <a:buFont typeface="Arial" panose="020B0604020202020204" pitchFamily="34" charset="0"/>
+              <a:buChar char="•"/>
+              <a:defRPr sz="1800" kern="1200">
+                <a:solidFill>
+                  <a:schemeClr val="tx1"/>
+                </a:solidFill>
+                <a:latin typeface="+mn-lt"/>
+                <a:ea typeface="+mn-ea"/>
+                <a:cs typeface="+mn-cs"/>
+              </a:defRPr>
+            </a:lvl7pPr>
+            <a:lvl8pPr marL="3429000" indent="-228600" algn="l" defTabSz="914400" rtl="0" eaLnBrk="1" latinLnBrk="0" hangingPunct="1">
+              <a:lnSpc>
+                <a:spcPct val="90000"/>
+              </a:lnSpc>
+              <a:spcBef>
+                <a:spcPts val="500"/>
+              </a:spcBef>
+              <a:buFont typeface="Arial" panose="020B0604020202020204" pitchFamily="34" charset="0"/>
+              <a:buChar char="•"/>
+              <a:defRPr sz="1800" kern="1200">
+                <a:solidFill>
+                  <a:schemeClr val="tx1"/>
+                </a:solidFill>
+                <a:latin typeface="+mn-lt"/>
+                <a:ea typeface="+mn-ea"/>
+                <a:cs typeface="+mn-cs"/>
+              </a:defRPr>
+            </a:lvl8pPr>
+            <a:lvl9pPr marL="3886200" indent="-228600" algn="l" defTabSz="914400" rtl="0" eaLnBrk="1" latinLnBrk="0" hangingPunct="1">
+              <a:lnSpc>
+                <a:spcPct val="90000"/>
+              </a:lnSpc>
+              <a:spcBef>
+                <a:spcPts val="500"/>
+              </a:spcBef>
+              <a:buFont typeface="Arial" panose="020B0604020202020204" pitchFamily="34" charset="0"/>
+              <a:buChar char="•"/>
+              <a:defRPr sz="1800" kern="1200">
+                <a:solidFill>
+                  <a:schemeClr val="tx1"/>
+                </a:solidFill>
+                <a:latin typeface="+mn-lt"/>
+                <a:ea typeface="+mn-ea"/>
+                <a:cs typeface="+mn-cs"/>
+              </a:defRPr>
+            </a:lvl9pPr>
+          </a:lstStyle>
+          <a:p>
+            <a:r>
+              <a:rPr lang="es-ES" dirty="0"/>
+              <a:t>Estrategia de precios:</a:t>
+            </a:r>
+          </a:p>
+          <a:p>
+            <a:pPr lvl="1"/>
+            <a:r>
+              <a:rPr lang="es-ES" b="1" dirty="0"/>
+              <a:t>E. Penetración: </a:t>
+            </a:r>
+            <a:r>
+              <a:rPr lang="es-ES" dirty="0"/>
+              <a:t>(Nube) =&gt; Suscripción inicial gratuita (primer mes o 100 GB).</a:t>
+            </a:r>
+          </a:p>
+          <a:p>
+            <a:pPr lvl="1"/>
+            <a:r>
+              <a:rPr lang="es-ES" b="1" dirty="0"/>
+              <a:t>E. Precio Gancho</a:t>
+            </a:r>
+            <a:r>
+              <a:rPr lang="es-ES" dirty="0"/>
+              <a:t>: Asesoría inicial gratuita o a precio simbólico.</a:t>
+            </a:r>
+          </a:p>
+          <a:p>
+            <a:pPr lvl="1"/>
+            <a:r>
+              <a:rPr lang="es-ES" b="1" dirty="0"/>
+              <a:t>E. Precio Psicológico:</a:t>
+            </a:r>
+            <a:r>
+              <a:rPr lang="es-ES" dirty="0"/>
+              <a:t> Servicio en la nube (39,95€/mes). Soporte técnico 599€ al año.</a:t>
+            </a:r>
+          </a:p>
+          <a:p>
+            <a:pPr lvl="1"/>
+            <a:r>
+              <a:rPr lang="es-ES" b="1" dirty="0"/>
+              <a:t>E. Precio Descremado: </a:t>
+            </a:r>
+            <a:r>
+              <a:rPr lang="es-ES" dirty="0"/>
+              <a:t>El software/hardware más nuevo se cobrará más caro.</a:t>
+            </a:r>
+          </a:p>
+          <a:p>
+            <a:pPr lvl="1"/>
+            <a:r>
+              <a:rPr lang="es-ES" b="1" dirty="0"/>
+              <a:t>E. Precio Prestigio:</a:t>
+            </a:r>
+            <a:r>
+              <a:rPr lang="es-ES" dirty="0"/>
+              <a:t> (Premium =&gt; mayor velocidad, seguridad, asistencia 24 horas garantizada, garantía de 5 años, </a:t>
+            </a:r>
+            <a:r>
+              <a:rPr lang="es-ES" dirty="0" err="1"/>
+              <a:t>etc</a:t>
+            </a:r>
+            <a:r>
+              <a:rPr lang="es-ES" dirty="0"/>
+              <a:t>).</a:t>
+            </a:r>
+          </a:p>
+          <a:p>
+            <a:pPr lvl="1"/>
+            <a:r>
+              <a:rPr lang="es-ES" b="1" dirty="0"/>
+              <a:t>E. Descuentos:</a:t>
+            </a:r>
+            <a:r>
+              <a:rPr lang="es-ES" dirty="0"/>
+              <a:t> Rebajas durante Black Friday y </a:t>
+            </a:r>
+            <a:r>
+              <a:rPr lang="es-ES" dirty="0" err="1"/>
+              <a:t>Cyber-Monday</a:t>
+            </a:r>
+            <a:r>
+              <a:rPr lang="es-ES" dirty="0"/>
+              <a:t>.</a:t>
+            </a:r>
+          </a:p>
+          <a:p>
+            <a:pPr lvl="1"/>
+            <a:r>
+              <a:rPr lang="es-ES" b="1" dirty="0"/>
+              <a:t>P. Paquete:</a:t>
+            </a:r>
+            <a:r>
+              <a:rPr lang="es-ES" dirty="0"/>
+              <a:t> Descuento si se elige solución híbrida.</a:t>
+            </a:r>
+          </a:p>
+          <a:p>
+            <a:pPr lvl="1"/>
+            <a:endParaRPr lang="es-ES" dirty="0"/>
+          </a:p>
+        </p:txBody>
+      </p:sp>
+    </p:spTree>
+    <p:extLst>
+      <p:ext uri="{BB962C8B-B14F-4D97-AF65-F5344CB8AC3E}">
+        <p14:creationId xmlns:p14="http://schemas.microsoft.com/office/powerpoint/2010/main" val="1106381458"/>
       </p:ext>
     </p:extLst>
   </p:cSld>
